--- a/dfr_metadata/book_chapter/fig/fat3.pptx
+++ b/dfr_metadata/book_chapter/fig/fat3.pptx
@@ -259,7 +259,7 @@
           <a:p>
             <a:fld id="{CFC90A4D-0449-FE4F-8963-89C122A9FB4A}" type="datetimeFigureOut">
               <a:rPr lang="en-US" smtClean="0"/>
-              <a:t>2/27/21</a:t>
+              <a:t>2/28/21</a:t>
             </a:fld>
             <a:endParaRPr lang="en-US"/>
           </a:p>
@@ -457,7 +457,7 @@
           <a:p>
             <a:fld id="{CFC90A4D-0449-FE4F-8963-89C122A9FB4A}" type="datetimeFigureOut">
               <a:rPr lang="en-US" smtClean="0"/>
-              <a:t>2/27/21</a:t>
+              <a:t>2/28/21</a:t>
             </a:fld>
             <a:endParaRPr lang="en-US"/>
           </a:p>
@@ -665,7 +665,7 @@
           <a:p>
             <a:fld id="{CFC90A4D-0449-FE4F-8963-89C122A9FB4A}" type="datetimeFigureOut">
               <a:rPr lang="en-US" smtClean="0"/>
-              <a:t>2/27/21</a:t>
+              <a:t>2/28/21</a:t>
             </a:fld>
             <a:endParaRPr lang="en-US"/>
           </a:p>
@@ -863,7 +863,7 @@
           <a:p>
             <a:fld id="{CFC90A4D-0449-FE4F-8963-89C122A9FB4A}" type="datetimeFigureOut">
               <a:rPr lang="en-US" smtClean="0"/>
-              <a:t>2/27/21</a:t>
+              <a:t>2/28/21</a:t>
             </a:fld>
             <a:endParaRPr lang="en-US"/>
           </a:p>
@@ -1138,7 +1138,7 @@
           <a:p>
             <a:fld id="{CFC90A4D-0449-FE4F-8963-89C122A9FB4A}" type="datetimeFigureOut">
               <a:rPr lang="en-US" smtClean="0"/>
-              <a:t>2/27/21</a:t>
+              <a:t>2/28/21</a:t>
             </a:fld>
             <a:endParaRPr lang="en-US"/>
           </a:p>
@@ -1403,7 +1403,7 @@
           <a:p>
             <a:fld id="{CFC90A4D-0449-FE4F-8963-89C122A9FB4A}" type="datetimeFigureOut">
               <a:rPr lang="en-US" smtClean="0"/>
-              <a:t>2/27/21</a:t>
+              <a:t>2/28/21</a:t>
             </a:fld>
             <a:endParaRPr lang="en-US"/>
           </a:p>
@@ -1815,7 +1815,7 @@
           <a:p>
             <a:fld id="{CFC90A4D-0449-FE4F-8963-89C122A9FB4A}" type="datetimeFigureOut">
               <a:rPr lang="en-US" smtClean="0"/>
-              <a:t>2/27/21</a:t>
+              <a:t>2/28/21</a:t>
             </a:fld>
             <a:endParaRPr lang="en-US"/>
           </a:p>
@@ -1956,7 +1956,7 @@
           <a:p>
             <a:fld id="{CFC90A4D-0449-FE4F-8963-89C122A9FB4A}" type="datetimeFigureOut">
               <a:rPr lang="en-US" smtClean="0"/>
-              <a:t>2/27/21</a:t>
+              <a:t>2/28/21</a:t>
             </a:fld>
             <a:endParaRPr lang="en-US"/>
           </a:p>
@@ -2069,7 +2069,7 @@
           <a:p>
             <a:fld id="{CFC90A4D-0449-FE4F-8963-89C122A9FB4A}" type="datetimeFigureOut">
               <a:rPr lang="en-US" smtClean="0"/>
-              <a:t>2/27/21</a:t>
+              <a:t>2/28/21</a:t>
             </a:fld>
             <a:endParaRPr lang="en-US"/>
           </a:p>
@@ -2380,7 +2380,7 @@
           <a:p>
             <a:fld id="{CFC90A4D-0449-FE4F-8963-89C122A9FB4A}" type="datetimeFigureOut">
               <a:rPr lang="en-US" smtClean="0"/>
-              <a:t>2/27/21</a:t>
+              <a:t>2/28/21</a:t>
             </a:fld>
             <a:endParaRPr lang="en-US"/>
           </a:p>
@@ -2668,7 +2668,7 @@
           <a:p>
             <a:fld id="{CFC90A4D-0449-FE4F-8963-89C122A9FB4A}" type="datetimeFigureOut">
               <a:rPr lang="en-US" smtClean="0"/>
-              <a:t>2/27/21</a:t>
+              <a:t>2/28/21</a:t>
             </a:fld>
             <a:endParaRPr lang="en-US"/>
           </a:p>
@@ -2909,7 +2909,7 @@
           <a:p>
             <a:fld id="{CFC90A4D-0449-FE4F-8963-89C122A9FB4A}" type="datetimeFigureOut">
               <a:rPr lang="en-US" smtClean="0"/>
-              <a:t>2/27/21</a:t>
+              <a:t>2/28/21</a:t>
             </a:fld>
             <a:endParaRPr lang="en-US"/>
           </a:p>
@@ -3506,7 +3506,7 @@
         </p:nvCxnSpPr>
         <p:spPr>
           <a:xfrm>
-            <a:off x="8563659" y="2225475"/>
+            <a:off x="8587552" y="2375544"/>
             <a:ext cx="887775" cy="0"/>
           </a:xfrm>
           <a:prstGeom prst="line">
@@ -3542,7 +3542,7 @@
         </p:nvCxnSpPr>
         <p:spPr>
           <a:xfrm>
-            <a:off x="8563658" y="2679217"/>
+            <a:off x="8563657" y="2833248"/>
             <a:ext cx="887775" cy="0"/>
           </a:xfrm>
           <a:prstGeom prst="line">
@@ -3578,7 +3578,7 @@
         </p:nvCxnSpPr>
         <p:spPr>
           <a:xfrm>
-            <a:off x="8563658" y="3072273"/>
+            <a:off x="8550094" y="3250188"/>
             <a:ext cx="887775" cy="0"/>
           </a:xfrm>
           <a:prstGeom prst="line">
@@ -3722,8 +3722,8 @@
         </p:nvSpPr>
         <p:spPr>
           <a:xfrm rot="5400000">
-            <a:off x="8732786" y="1629552"/>
-            <a:ext cx="595339" cy="369332"/>
+            <a:off x="8593647" y="1792257"/>
+            <a:ext cx="920750" cy="369332"/>
           </a:xfrm>
           <a:prstGeom prst="rect">
             <a:avLst/>
@@ -3738,17 +3738,17 @@
           <a:p>
             <a:r>
               <a:rPr lang="en-US" dirty="0"/>
-              <a:t>.......</a:t>
-            </a:r>
-          </a:p>
-        </p:txBody>
-      </p:sp>
-      <p:sp>
-        <p:nvSpPr>
-          <p:cNvPr id="18" name="TextBox 17">
-            <a:extLst>
-              <a:ext uri="{FF2B5EF4-FFF2-40B4-BE49-F238E27FC236}">
-                <a16:creationId xmlns:a16="http://schemas.microsoft.com/office/drawing/2014/main" id="{095ABF5E-3C6F-AB49-A4A7-1C832A5A860C}"/>
+              <a:t>............</a:t>
+            </a:r>
+          </a:p>
+        </p:txBody>
+      </p:sp>
+      <p:sp>
+        <p:nvSpPr>
+          <p:cNvPr id="19" name="TextBox 18">
+            <a:extLst>
+              <a:ext uri="{FF2B5EF4-FFF2-40B4-BE49-F238E27FC236}">
+                <a16:creationId xmlns:a16="http://schemas.microsoft.com/office/drawing/2014/main" id="{BC215E17-93D7-2444-8073-61E44D7636B1}"/>
               </a:ext>
             </a:extLst>
           </p:cNvPr>
@@ -3757,8 +3757,8 @@
         </p:nvSpPr>
         <p:spPr>
           <a:xfrm rot="5400000">
-            <a:off x="8643151" y="3195301"/>
-            <a:ext cx="646331" cy="369332"/>
+            <a:off x="8571149" y="4888159"/>
+            <a:ext cx="877163" cy="369332"/>
           </a:xfrm>
           <a:prstGeom prst="rect">
             <a:avLst/>
@@ -3773,17 +3773,17 @@
           <a:p>
             <a:r>
               <a:rPr lang="en-US" dirty="0"/>
-              <a:t>........</a:t>
-            </a:r>
-          </a:p>
-        </p:txBody>
-      </p:sp>
-      <p:sp>
-        <p:nvSpPr>
-          <p:cNvPr id="19" name="TextBox 18">
-            <a:extLst>
-              <a:ext uri="{FF2B5EF4-FFF2-40B4-BE49-F238E27FC236}">
-                <a16:creationId xmlns:a16="http://schemas.microsoft.com/office/drawing/2014/main" id="{BC215E17-93D7-2444-8073-61E44D7636B1}"/>
+              <a:t>............</a:t>
+            </a:r>
+          </a:p>
+        </p:txBody>
+      </p:sp>
+      <p:sp>
+        <p:nvSpPr>
+          <p:cNvPr id="20" name="TextBox 19">
+            <a:extLst>
+              <a:ext uri="{FF2B5EF4-FFF2-40B4-BE49-F238E27FC236}">
+                <a16:creationId xmlns:a16="http://schemas.microsoft.com/office/drawing/2014/main" id="{6FC5C509-C227-DA4E-9B4A-B155714F68D2}"/>
               </a:ext>
             </a:extLst>
           </p:cNvPr>
@@ -3791,9 +3791,9 @@
           <p:nvPr/>
         </p:nvSpPr>
         <p:spPr>
-          <a:xfrm rot="5400000">
-            <a:off x="8571149" y="4888159"/>
-            <a:ext cx="877163" cy="369332"/>
+          <a:xfrm>
+            <a:off x="3280226" y="4342879"/>
+            <a:ext cx="814390" cy="646331"/>
           </a:xfrm>
           <a:prstGeom prst="rect">
             <a:avLst/>
@@ -3801,24 +3801,30 @@
           <a:noFill/>
         </p:spPr>
         <p:txBody>
-          <a:bodyPr wrap="none" rtlCol="0">
+          <a:bodyPr wrap="square" rtlCol="0">
             <a:spAutoFit/>
           </a:bodyPr>
           <a:lstStyle/>
           <a:p>
             <a:r>
               <a:rPr lang="en-US" dirty="0"/>
-              <a:t>............</a:t>
-            </a:r>
-          </a:p>
-        </p:txBody>
-      </p:sp>
-      <p:sp>
-        <p:nvSpPr>
-          <p:cNvPr id="20" name="TextBox 19">
-            <a:extLst>
-              <a:ext uri="{FF2B5EF4-FFF2-40B4-BE49-F238E27FC236}">
-                <a16:creationId xmlns:a16="http://schemas.microsoft.com/office/drawing/2014/main" id="{6FC5C509-C227-DA4E-9B4A-B155714F68D2}"/>
+              <a:t>cluster</a:t>
+            </a:r>
+          </a:p>
+          <a:p>
+            <a:r>
+              <a:rPr lang="en-US" dirty="0"/>
+              <a:t>  200</a:t>
+            </a:r>
+          </a:p>
+        </p:txBody>
+      </p:sp>
+      <p:sp>
+        <p:nvSpPr>
+          <p:cNvPr id="21" name="TextBox 20">
+            <a:extLst>
+              <a:ext uri="{FF2B5EF4-FFF2-40B4-BE49-F238E27FC236}">
+                <a16:creationId xmlns:a16="http://schemas.microsoft.com/office/drawing/2014/main" id="{83F928A2-CA7C-0848-B00C-7AF2994BBA67}"/>
               </a:ext>
             </a:extLst>
           </p:cNvPr>
@@ -3827,7 +3833,7 @@
         </p:nvSpPr>
         <p:spPr>
           <a:xfrm>
-            <a:off x="3298994" y="4321547"/>
+            <a:off x="7175232" y="4303787"/>
             <a:ext cx="814390" cy="646331"/>
           </a:xfrm>
           <a:prstGeom prst="rect">
@@ -3849,48 +3855,7 @@
           <a:p>
             <a:r>
               <a:rPr lang="en-US" dirty="0"/>
-              <a:t>  200</a:t>
-            </a:r>
-          </a:p>
-        </p:txBody>
-      </p:sp>
-      <p:sp>
-        <p:nvSpPr>
-          <p:cNvPr id="21" name="TextBox 20">
-            <a:extLst>
-              <a:ext uri="{FF2B5EF4-FFF2-40B4-BE49-F238E27FC236}">
-                <a16:creationId xmlns:a16="http://schemas.microsoft.com/office/drawing/2014/main" id="{83F928A2-CA7C-0848-B00C-7AF2994BBA67}"/>
-              </a:ext>
-            </a:extLst>
-          </p:cNvPr>
-          <p:cNvSpPr txBox="1"/>
-          <p:nvPr/>
-        </p:nvSpPr>
-        <p:spPr>
-          <a:xfrm>
-            <a:off x="6997059" y="4262726"/>
-            <a:ext cx="814390" cy="646331"/>
-          </a:xfrm>
-          <a:prstGeom prst="rect">
-            <a:avLst/>
-          </a:prstGeom>
-          <a:noFill/>
-        </p:spPr>
-        <p:txBody>
-          <a:bodyPr wrap="none" rtlCol="0">
-            <a:spAutoFit/>
-          </a:bodyPr>
-          <a:lstStyle/>
-          <a:p>
-            <a:r>
-              <a:rPr lang="en-US" dirty="0"/>
-              <a:t>cluster</a:t>
-            </a:r>
-          </a:p>
-          <a:p>
-            <a:r>
-              <a:rPr lang="en-US" dirty="0"/>
-              <a:t>  220</a:t>
+              <a:t>  204</a:t>
             </a:r>
           </a:p>
         </p:txBody>
@@ -4145,7 +4110,7 @@
         </p:nvSpPr>
         <p:spPr>
           <a:xfrm>
-            <a:off x="9482232" y="2190878"/>
+            <a:off x="9482232" y="2401052"/>
             <a:ext cx="1217641" cy="369333"/>
           </a:xfrm>
           <a:prstGeom prst="rect">
@@ -4188,7 +4153,7 @@
         </p:nvSpPr>
         <p:spPr>
           <a:xfrm>
-            <a:off x="9451433" y="2675962"/>
+            <a:off x="9482232" y="2867664"/>
             <a:ext cx="1217641" cy="369333"/>
           </a:xfrm>
           <a:prstGeom prst="rect">
@@ -4232,7 +4197,7 @@
         <p:spPr>
           <a:xfrm>
             <a:off x="9482232" y="3672140"/>
-            <a:ext cx="1217641" cy="369333"/>
+            <a:ext cx="1217641" cy="369332"/>
           </a:xfrm>
           <a:prstGeom prst="rect">
             <a:avLst/>
@@ -4247,7 +4212,7 @@
           <a:p>
             <a:r>
               <a:rPr lang="en-US" dirty="0"/>
-              <a:t>119</a:t>
+              <a:t>203</a:t>
             </a:r>
             <a:r>
               <a:rPr lang="en-US" baseline="30000" dirty="0"/>
@@ -4275,7 +4240,7 @@
         <p:spPr>
           <a:xfrm>
             <a:off x="9482232" y="4150843"/>
-            <a:ext cx="1217641" cy="369333"/>
+            <a:ext cx="1217641" cy="369332"/>
           </a:xfrm>
           <a:prstGeom prst="rect">
             <a:avLst/>
@@ -4290,7 +4255,7 @@
           <a:p>
             <a:r>
               <a:rPr lang="en-US" dirty="0"/>
-              <a:t>220</a:t>
+              <a:t>204</a:t>
             </a:r>
             <a:r>
               <a:rPr lang="en-US" baseline="30000" dirty="0"/>
@@ -4317,7 +4282,7 @@
         </p:nvSpPr>
         <p:spPr>
           <a:xfrm>
-            <a:off x="8666131" y="2618875"/>
+            <a:off x="8711057" y="2833248"/>
             <a:ext cx="535724" cy="369332"/>
           </a:xfrm>
           <a:prstGeom prst="rect">
@@ -4333,7 +4298,7 @@
           <a:p>
             <a:r>
               <a:rPr lang="en-US" dirty="0"/>
-              <a:t>212</a:t>
+              <a:t>204</a:t>
             </a:r>
           </a:p>
         </p:txBody>
@@ -4352,7 +4317,7 @@
         </p:nvSpPr>
         <p:spPr>
           <a:xfrm>
-            <a:off x="8684139" y="2208974"/>
+            <a:off x="8726119" y="2381018"/>
             <a:ext cx="535723" cy="369333"/>
           </a:xfrm>
           <a:prstGeom prst="rect">
@@ -4388,7 +4353,7 @@
         <p:spPr>
           <a:xfrm>
             <a:off x="8684139" y="3685972"/>
-            <a:ext cx="535723" cy="369333"/>
+            <a:ext cx="460382" cy="369332"/>
           </a:xfrm>
           <a:prstGeom prst="rect">
             <a:avLst/>
@@ -4403,7 +4368,7 @@
           <a:p>
             <a:r>
               <a:rPr lang="en-US" dirty="0"/>
-              <a:t>220</a:t>
+              <a:t>   0</a:t>
             </a:r>
           </a:p>
         </p:txBody>
@@ -4512,8 +4477,8 @@
         </p:nvCxnSpPr>
         <p:spPr>
           <a:xfrm rot="5400000">
-            <a:off x="3487762" y="2499916"/>
-            <a:ext cx="1003950" cy="455072"/>
+            <a:off x="3450636" y="2481551"/>
+            <a:ext cx="1062005" cy="476410"/>
           </a:xfrm>
           <a:prstGeom prst="bentConnector3">
             <a:avLst>
@@ -4553,7 +4518,7 @@
         </p:nvSpPr>
         <p:spPr>
           <a:xfrm>
-            <a:off x="3414651" y="3229427"/>
+            <a:off x="3395883" y="3250759"/>
             <a:ext cx="695100" cy="1004494"/>
           </a:xfrm>
           <a:prstGeom prst="roundRect">
@@ -4607,7 +4572,7 @@
         </p:nvSpPr>
         <p:spPr>
           <a:xfrm>
-            <a:off x="4337108" y="3231554"/>
+            <a:off x="4318340" y="3252886"/>
             <a:ext cx="695100" cy="1004494"/>
           </a:xfrm>
           <a:prstGeom prst="roundRect">
@@ -4661,8 +4626,8 @@
         </p:nvSpPr>
         <p:spPr>
           <a:xfrm>
-            <a:off x="6997059" y="3191774"/>
-            <a:ext cx="695100" cy="1024545"/>
+            <a:off x="7175232" y="3252886"/>
+            <a:ext cx="695100" cy="1004494"/>
           </a:xfrm>
           <a:prstGeom prst="roundRect">
             <a:avLst/>
@@ -4715,7 +4680,7 @@
         </p:nvSpPr>
         <p:spPr>
           <a:xfrm>
-            <a:off x="4278791" y="4321546"/>
+            <a:off x="4260023" y="4342878"/>
             <a:ext cx="814390" cy="646331"/>
           </a:xfrm>
           <a:prstGeom prst="rect">
@@ -4724,6 +4689,47 @@
           <a:noFill/>
         </p:spPr>
         <p:txBody>
+          <a:bodyPr wrap="square" rtlCol="0">
+            <a:spAutoFit/>
+          </a:bodyPr>
+          <a:lstStyle/>
+          <a:p>
+            <a:r>
+              <a:rPr lang="en-US" dirty="0"/>
+              <a:t>cluster</a:t>
+            </a:r>
+          </a:p>
+          <a:p>
+            <a:r>
+              <a:rPr lang="en-US" dirty="0"/>
+              <a:t>  201</a:t>
+            </a:r>
+          </a:p>
+        </p:txBody>
+      </p:sp>
+      <p:sp>
+        <p:nvSpPr>
+          <p:cNvPr id="75" name="TextBox 74">
+            <a:extLst>
+              <a:ext uri="{FF2B5EF4-FFF2-40B4-BE49-F238E27FC236}">
+                <a16:creationId xmlns:a16="http://schemas.microsoft.com/office/drawing/2014/main" id="{895BD801-B6F3-864D-A95C-93BCD53CB525}"/>
+              </a:ext>
+            </a:extLst>
+          </p:cNvPr>
+          <p:cNvSpPr txBox="1"/>
+          <p:nvPr/>
+        </p:nvSpPr>
+        <p:spPr>
+          <a:xfrm>
+            <a:off x="5096315" y="5778136"/>
+            <a:ext cx="1109663" cy="369332"/>
+          </a:xfrm>
+          <a:prstGeom prst="rect">
+            <a:avLst/>
+          </a:prstGeom>
+          <a:noFill/>
+        </p:spPr>
+        <p:txBody>
           <a:bodyPr wrap="none" rtlCol="0">
             <a:spAutoFit/>
           </a:bodyPr>
@@ -4731,43 +4737,405 @@
           <a:p>
             <a:r>
               <a:rPr lang="en-US" dirty="0"/>
-              <a:t>cluster</a:t>
-            </a:r>
-          </a:p>
-          <a:p>
-            <a:r>
-              <a:rPr lang="en-US" dirty="0"/>
-              <a:t>  201</a:t>
-            </a:r>
+              <a:t>Data Area</a:t>
+            </a:r>
+          </a:p>
+        </p:txBody>
+      </p:sp>
+      <p:sp>
+        <p:nvSpPr>
+          <p:cNvPr id="76" name="Rectangle 75">
+            <a:extLst>
+              <a:ext uri="{FF2B5EF4-FFF2-40B4-BE49-F238E27FC236}">
+                <a16:creationId xmlns:a16="http://schemas.microsoft.com/office/drawing/2014/main" id="{9CE5E5BD-D8E3-5F4F-8CFA-B75A2FF35EFC}"/>
+              </a:ext>
+            </a:extLst>
+          </p:cNvPr>
+          <p:cNvSpPr/>
+          <p:nvPr/>
+        </p:nvSpPr>
+        <p:spPr>
+          <a:xfrm>
+            <a:off x="3219718" y="451909"/>
+            <a:ext cx="4790941" cy="5240729"/>
+          </a:xfrm>
+          <a:prstGeom prst="rect">
+            <a:avLst/>
+          </a:prstGeom>
+          <a:noFill/>
+        </p:spPr>
+        <p:style>
+          <a:lnRef idx="2">
+            <a:schemeClr val="accent1">
+              <a:shade val="50000"/>
+            </a:schemeClr>
+          </a:lnRef>
+          <a:fillRef idx="1">
+            <a:schemeClr val="accent1"/>
+          </a:fillRef>
+          <a:effectRef idx="0">
+            <a:schemeClr val="accent1"/>
+          </a:effectRef>
+          <a:fontRef idx="minor">
+            <a:schemeClr val="lt1"/>
+          </a:fontRef>
+        </p:style>
+        <p:txBody>
+          <a:bodyPr rtlCol="0" anchor="ctr"/>
+          <a:lstStyle/>
+          <a:p>
+            <a:pPr algn="ctr"/>
+            <a:endParaRPr lang="en-US"/>
           </a:p>
         </p:txBody>
       </p:sp>
       <p:cxnSp>
         <p:nvCxnSpPr>
-          <p:cNvPr id="5" name="Straight Arrow Connector 4">
-            <a:extLst>
-              <a:ext uri="{FF2B5EF4-FFF2-40B4-BE49-F238E27FC236}">
-                <a16:creationId xmlns:a16="http://schemas.microsoft.com/office/drawing/2014/main" id="{FD31C735-7E7E-1B42-8463-1B7ED5ADF74B}"/>
+          <p:cNvPr id="79" name="Straight Connector 78">
+            <a:extLst>
+              <a:ext uri="{FF2B5EF4-FFF2-40B4-BE49-F238E27FC236}">
+                <a16:creationId xmlns:a16="http://schemas.microsoft.com/office/drawing/2014/main" id="{C0F8E169-29B7-8142-88E5-EC24A8B762B5}"/>
+              </a:ext>
+            </a:extLst>
+          </p:cNvPr>
+          <p:cNvCxnSpPr/>
+          <p:nvPr/>
+        </p:nvCxnSpPr>
+        <p:spPr>
+          <a:xfrm>
+            <a:off x="8550094" y="1541247"/>
+            <a:ext cx="887775" cy="0"/>
+          </a:xfrm>
+          <a:prstGeom prst="line">
+            <a:avLst/>
+          </a:prstGeom>
+        </p:spPr>
+        <p:style>
+          <a:lnRef idx="1">
+            <a:schemeClr val="accent1"/>
+          </a:lnRef>
+          <a:fillRef idx="0">
+            <a:schemeClr val="accent1"/>
+          </a:fillRef>
+          <a:effectRef idx="0">
+            <a:schemeClr val="accent1"/>
+          </a:effectRef>
+          <a:fontRef idx="minor">
+            <a:schemeClr val="tx1"/>
+          </a:fontRef>
+        </p:style>
+      </p:cxnSp>
+      <p:sp>
+        <p:nvSpPr>
+          <p:cNvPr id="44" name="Rounded Rectangle 43">
+            <a:extLst>
+              <a:ext uri="{FF2B5EF4-FFF2-40B4-BE49-F238E27FC236}">
+                <a16:creationId xmlns:a16="http://schemas.microsoft.com/office/drawing/2014/main" id="{27E4486C-800D-064B-AD28-97F146BEF6F5}"/>
+              </a:ext>
+            </a:extLst>
+          </p:cNvPr>
+          <p:cNvSpPr/>
+          <p:nvPr/>
+        </p:nvSpPr>
+        <p:spPr>
+          <a:xfrm>
+            <a:off x="5300635" y="3250189"/>
+            <a:ext cx="695100" cy="1004494"/>
+          </a:xfrm>
+          <a:prstGeom prst="roundRect">
+            <a:avLst/>
+          </a:prstGeom>
+          <a:noFill/>
+        </p:spPr>
+        <p:style>
+          <a:lnRef idx="2">
+            <a:schemeClr val="accent1">
+              <a:shade val="50000"/>
+            </a:schemeClr>
+          </a:lnRef>
+          <a:fillRef idx="1">
+            <a:schemeClr val="accent1"/>
+          </a:fillRef>
+          <a:effectRef idx="0">
+            <a:schemeClr val="accent1"/>
+          </a:effectRef>
+          <a:fontRef idx="minor">
+            <a:schemeClr val="lt1"/>
+          </a:fontRef>
+        </p:style>
+        <p:txBody>
+          <a:bodyPr rtlCol="0" anchor="ctr"/>
+          <a:lstStyle/>
+          <a:p>
+            <a:pPr algn="ctr"/>
+            <a:endParaRPr lang="en-US"/>
+          </a:p>
+        </p:txBody>
+      </p:sp>
+      <p:sp>
+        <p:nvSpPr>
+          <p:cNvPr id="48" name="Rounded Rectangle 47">
+            <a:extLst>
+              <a:ext uri="{FF2B5EF4-FFF2-40B4-BE49-F238E27FC236}">
+                <a16:creationId xmlns:a16="http://schemas.microsoft.com/office/drawing/2014/main" id="{4E0F0648-CC32-DF41-BB3A-72B32579E79C}"/>
+              </a:ext>
+            </a:extLst>
+          </p:cNvPr>
+          <p:cNvSpPr/>
+          <p:nvPr/>
+        </p:nvSpPr>
+        <p:spPr>
+          <a:xfrm>
+            <a:off x="6223092" y="3252316"/>
+            <a:ext cx="695100" cy="1004494"/>
+          </a:xfrm>
+          <a:prstGeom prst="roundRect">
+            <a:avLst/>
+          </a:prstGeom>
+          <a:noFill/>
+        </p:spPr>
+        <p:style>
+          <a:lnRef idx="2">
+            <a:schemeClr val="accent1">
+              <a:shade val="50000"/>
+            </a:schemeClr>
+          </a:lnRef>
+          <a:fillRef idx="1">
+            <a:schemeClr val="accent1"/>
+          </a:fillRef>
+          <a:effectRef idx="0">
+            <a:schemeClr val="accent1"/>
+          </a:effectRef>
+          <a:fontRef idx="minor">
+            <a:schemeClr val="lt1"/>
+          </a:fontRef>
+        </p:style>
+        <p:txBody>
+          <a:bodyPr rtlCol="0" anchor="ctr"/>
+          <a:lstStyle/>
+          <a:p>
+            <a:pPr algn="ctr"/>
+            <a:endParaRPr lang="en-US"/>
+          </a:p>
+        </p:txBody>
+      </p:sp>
+      <p:sp>
+        <p:nvSpPr>
+          <p:cNvPr id="50" name="TextBox 49">
+            <a:extLst>
+              <a:ext uri="{FF2B5EF4-FFF2-40B4-BE49-F238E27FC236}">
+                <a16:creationId xmlns:a16="http://schemas.microsoft.com/office/drawing/2014/main" id="{16B36C2A-67BA-9646-975A-EE2DF809A8B3}"/>
+              </a:ext>
+            </a:extLst>
+          </p:cNvPr>
+          <p:cNvSpPr txBox="1"/>
+          <p:nvPr/>
+        </p:nvSpPr>
+        <p:spPr>
+          <a:xfrm>
+            <a:off x="6164775" y="4342308"/>
+            <a:ext cx="814390" cy="646331"/>
+          </a:xfrm>
+          <a:prstGeom prst="rect">
+            <a:avLst/>
+          </a:prstGeom>
+          <a:noFill/>
+        </p:spPr>
+        <p:txBody>
+          <a:bodyPr wrap="square" rtlCol="0">
+            <a:spAutoFit/>
+          </a:bodyPr>
+          <a:lstStyle/>
+          <a:p>
+            <a:r>
+              <a:rPr lang="en-US" dirty="0"/>
+              <a:t>cluster</a:t>
+            </a:r>
+          </a:p>
+          <a:p>
+            <a:r>
+              <a:rPr lang="en-US" dirty="0"/>
+              <a:t>  203</a:t>
+            </a:r>
+          </a:p>
+        </p:txBody>
+      </p:sp>
+      <p:sp>
+        <p:nvSpPr>
+          <p:cNvPr id="51" name="TextBox 50">
+            <a:extLst>
+              <a:ext uri="{FF2B5EF4-FFF2-40B4-BE49-F238E27FC236}">
+                <a16:creationId xmlns:a16="http://schemas.microsoft.com/office/drawing/2014/main" id="{28652887-0DC8-3E4A-9D96-89F185CDE96C}"/>
+              </a:ext>
+            </a:extLst>
+          </p:cNvPr>
+          <p:cNvSpPr txBox="1"/>
+          <p:nvPr/>
+        </p:nvSpPr>
+        <p:spPr>
+          <a:xfrm>
+            <a:off x="5250370" y="4342308"/>
+            <a:ext cx="814390" cy="646331"/>
+          </a:xfrm>
+          <a:prstGeom prst="rect">
+            <a:avLst/>
+          </a:prstGeom>
+          <a:noFill/>
+        </p:spPr>
+        <p:txBody>
+          <a:bodyPr wrap="square" rtlCol="0">
+            <a:spAutoFit/>
+          </a:bodyPr>
+          <a:lstStyle/>
+          <a:p>
+            <a:r>
+              <a:rPr lang="en-US" dirty="0"/>
+              <a:t>cluster</a:t>
+            </a:r>
+          </a:p>
+          <a:p>
+            <a:r>
+              <a:rPr lang="en-US" dirty="0"/>
+              <a:t>  202</a:t>
+            </a:r>
+          </a:p>
+        </p:txBody>
+      </p:sp>
+      <p:sp>
+        <p:nvSpPr>
+          <p:cNvPr id="53" name="TextBox 52">
+            <a:extLst>
+              <a:ext uri="{FF2B5EF4-FFF2-40B4-BE49-F238E27FC236}">
+                <a16:creationId xmlns:a16="http://schemas.microsoft.com/office/drawing/2014/main" id="{CDB276CC-874B-D44C-8D6B-19818A9FCCEA}"/>
+              </a:ext>
+            </a:extLst>
+          </p:cNvPr>
+          <p:cNvSpPr txBox="1"/>
+          <p:nvPr/>
+        </p:nvSpPr>
+        <p:spPr>
+          <a:xfrm>
+            <a:off x="8711056" y="3290141"/>
+            <a:ext cx="407484" cy="369332"/>
+          </a:xfrm>
+          <a:prstGeom prst="rect">
+            <a:avLst/>
+          </a:prstGeom>
+          <a:noFill/>
+        </p:spPr>
+        <p:txBody>
+          <a:bodyPr wrap="none" rtlCol="0">
+            <a:spAutoFit/>
+          </a:bodyPr>
+          <a:lstStyle/>
+          <a:p>
+            <a:r>
+              <a:rPr lang="en-US" dirty="0"/>
+              <a:t>  0</a:t>
+            </a:r>
+          </a:p>
+        </p:txBody>
+      </p:sp>
+      <p:sp>
+        <p:nvSpPr>
+          <p:cNvPr id="54" name="TextBox 53">
+            <a:extLst>
+              <a:ext uri="{FF2B5EF4-FFF2-40B4-BE49-F238E27FC236}">
+                <a16:creationId xmlns:a16="http://schemas.microsoft.com/office/drawing/2014/main" id="{1B582D26-1E1E-8E48-8DD8-DFEA45C463C8}"/>
+              </a:ext>
+            </a:extLst>
+          </p:cNvPr>
+          <p:cNvSpPr txBox="1"/>
+          <p:nvPr/>
+        </p:nvSpPr>
+        <p:spPr>
+          <a:xfrm>
+            <a:off x="9482232" y="3239138"/>
+            <a:ext cx="1217641" cy="369332"/>
+          </a:xfrm>
+          <a:prstGeom prst="rect">
+            <a:avLst/>
+          </a:prstGeom>
+          <a:noFill/>
+        </p:spPr>
+        <p:txBody>
+          <a:bodyPr wrap="none" rtlCol="0">
+            <a:spAutoFit/>
+          </a:bodyPr>
+          <a:lstStyle/>
+          <a:p>
+            <a:r>
+              <a:rPr lang="en-US" dirty="0"/>
+              <a:t>202</a:t>
+            </a:r>
+            <a:r>
+              <a:rPr lang="en-US" baseline="30000" dirty="0"/>
+              <a:t>th</a:t>
+            </a:r>
+            <a:r>
+              <a:rPr lang="en-US" dirty="0"/>
+              <a:t> entry</a:t>
+            </a:r>
+          </a:p>
+        </p:txBody>
+      </p:sp>
+      <p:sp>
+        <p:nvSpPr>
+          <p:cNvPr id="49" name="TextBox 48">
+            <a:extLst>
+              <a:ext uri="{FF2B5EF4-FFF2-40B4-BE49-F238E27FC236}">
+                <a16:creationId xmlns:a16="http://schemas.microsoft.com/office/drawing/2014/main" id="{D8ABEA28-4619-2F47-B7B0-13D26406049F}"/>
+              </a:ext>
+            </a:extLst>
+          </p:cNvPr>
+          <p:cNvSpPr txBox="1"/>
+          <p:nvPr/>
+        </p:nvSpPr>
+        <p:spPr>
+          <a:xfrm>
+            <a:off x="5583386" y="5142075"/>
+            <a:ext cx="1279411" cy="369332"/>
+          </a:xfrm>
+          <a:prstGeom prst="rect">
+            <a:avLst/>
+          </a:prstGeom>
+          <a:noFill/>
+        </p:spPr>
+        <p:txBody>
+          <a:bodyPr wrap="square" rtlCol="0">
+            <a:spAutoFit/>
+          </a:bodyPr>
+          <a:lstStyle/>
+          <a:p>
+            <a:r>
+              <a:rPr lang="en-US" dirty="0"/>
+              <a:t>a gap here</a:t>
+            </a:r>
+          </a:p>
+        </p:txBody>
+      </p:sp>
+      <p:cxnSp>
+        <p:nvCxnSpPr>
+          <p:cNvPr id="52" name="Straight Connector 51">
+            <a:extLst>
+              <a:ext uri="{FF2B5EF4-FFF2-40B4-BE49-F238E27FC236}">
+                <a16:creationId xmlns:a16="http://schemas.microsoft.com/office/drawing/2014/main" id="{AA2235E0-1BA5-8A46-93AF-448B3A2C5254}"/>
               </a:ext>
             </a:extLst>
           </p:cNvPr>
           <p:cNvCxnSpPr>
-            <a:stCxn id="43" idx="3"/>
-            <a:endCxn id="45" idx="1"/>
+            <a:cxnSpLocks/>
           </p:cNvCxnSpPr>
           <p:nvPr/>
         </p:nvCxnSpPr>
         <p:spPr>
           <a:xfrm>
-            <a:off x="4109751" y="3731674"/>
-            <a:ext cx="227357" cy="2127"/>
-          </a:xfrm>
-          <a:prstGeom prst="straightConnector1">
+            <a:off x="5174485" y="4369290"/>
+            <a:ext cx="0" cy="933174"/>
+          </a:xfrm>
+          <a:prstGeom prst="line">
             <a:avLst/>
           </a:prstGeom>
-          <a:ln>
-            <a:tailEnd type="triangle"/>
-          </a:ln>
         </p:spPr>
         <p:style>
           <a:lnRef idx="1">
@@ -4786,10 +5154,10 @@
       </p:cxnSp>
       <p:cxnSp>
         <p:nvCxnSpPr>
-          <p:cNvPr id="49" name="Straight Arrow Connector 48">
-            <a:extLst>
-              <a:ext uri="{FF2B5EF4-FFF2-40B4-BE49-F238E27FC236}">
-                <a16:creationId xmlns:a16="http://schemas.microsoft.com/office/drawing/2014/main" id="{80CF9CE6-2772-C143-A0C4-A140D9E066DD}"/>
+          <p:cNvPr id="55" name="Straight Connector 54">
+            <a:extLst>
+              <a:ext uri="{FF2B5EF4-FFF2-40B4-BE49-F238E27FC236}">
+                <a16:creationId xmlns:a16="http://schemas.microsoft.com/office/drawing/2014/main" id="{7E8C8822-9327-1845-A96C-63DB9AEBE787}"/>
               </a:ext>
             </a:extLst>
           </p:cNvPr>
@@ -4800,348 +5168,8 @@
         </p:nvCxnSpPr>
         <p:spPr>
           <a:xfrm>
-            <a:off x="6506657" y="3731510"/>
-            <a:ext cx="522208" cy="1"/>
-          </a:xfrm>
-          <a:prstGeom prst="straightConnector1">
-            <a:avLst/>
-          </a:prstGeom>
-          <a:ln>
-            <a:solidFill>
-              <a:schemeClr val="accent1"/>
-            </a:solidFill>
-            <a:prstDash val="dash"/>
-            <a:tailEnd type="triangle"/>
-          </a:ln>
-        </p:spPr>
-        <p:style>
-          <a:lnRef idx="1">
-            <a:schemeClr val="accent1"/>
-          </a:lnRef>
-          <a:fillRef idx="0">
-            <a:schemeClr val="accent1"/>
-          </a:fillRef>
-          <a:effectRef idx="0">
-            <a:schemeClr val="accent1"/>
-          </a:effectRef>
-          <a:fontRef idx="minor">
-            <a:schemeClr val="tx1"/>
-          </a:fontRef>
-        </p:style>
-      </p:cxnSp>
-      <p:sp>
-        <p:nvSpPr>
-          <p:cNvPr id="75" name="TextBox 74">
-            <a:extLst>
-              <a:ext uri="{FF2B5EF4-FFF2-40B4-BE49-F238E27FC236}">
-                <a16:creationId xmlns:a16="http://schemas.microsoft.com/office/drawing/2014/main" id="{895BD801-B6F3-864D-A95C-93BCD53CB525}"/>
-              </a:ext>
-            </a:extLst>
-          </p:cNvPr>
-          <p:cNvSpPr txBox="1"/>
-          <p:nvPr/>
-        </p:nvSpPr>
-        <p:spPr>
-          <a:xfrm>
-            <a:off x="5096315" y="5778136"/>
-            <a:ext cx="1109663" cy="369332"/>
-          </a:xfrm>
-          <a:prstGeom prst="rect">
-            <a:avLst/>
-          </a:prstGeom>
-          <a:noFill/>
-        </p:spPr>
-        <p:txBody>
-          <a:bodyPr wrap="none" rtlCol="0">
-            <a:spAutoFit/>
-          </a:bodyPr>
-          <a:lstStyle/>
-          <a:p>
-            <a:r>
-              <a:rPr lang="en-US" dirty="0"/>
-              <a:t>Data Area</a:t>
-            </a:r>
-          </a:p>
-        </p:txBody>
-      </p:sp>
-      <p:sp>
-        <p:nvSpPr>
-          <p:cNvPr id="76" name="Rectangle 75">
-            <a:extLst>
-              <a:ext uri="{FF2B5EF4-FFF2-40B4-BE49-F238E27FC236}">
-                <a16:creationId xmlns:a16="http://schemas.microsoft.com/office/drawing/2014/main" id="{9CE5E5BD-D8E3-5F4F-8CFA-B75A2FF35EFC}"/>
-              </a:ext>
-            </a:extLst>
-          </p:cNvPr>
-          <p:cNvSpPr/>
-          <p:nvPr/>
-        </p:nvSpPr>
-        <p:spPr>
-          <a:xfrm>
-            <a:off x="3219718" y="451909"/>
-            <a:ext cx="4790941" cy="5240729"/>
-          </a:xfrm>
-          <a:prstGeom prst="rect">
-            <a:avLst/>
-          </a:prstGeom>
-          <a:noFill/>
-        </p:spPr>
-        <p:style>
-          <a:lnRef idx="2">
-            <a:schemeClr val="accent1">
-              <a:shade val="50000"/>
-            </a:schemeClr>
-          </a:lnRef>
-          <a:fillRef idx="1">
-            <a:schemeClr val="accent1"/>
-          </a:fillRef>
-          <a:effectRef idx="0">
-            <a:schemeClr val="accent1"/>
-          </a:effectRef>
-          <a:fontRef idx="minor">
-            <a:schemeClr val="lt1"/>
-          </a:fontRef>
-        </p:style>
-        <p:txBody>
-          <a:bodyPr rtlCol="0" anchor="ctr"/>
-          <a:lstStyle/>
-          <a:p>
-            <a:pPr algn="ctr"/>
-            <a:endParaRPr lang="en-US"/>
-          </a:p>
-        </p:txBody>
-      </p:sp>
-      <p:cxnSp>
-        <p:nvCxnSpPr>
-          <p:cNvPr id="79" name="Straight Connector 78">
-            <a:extLst>
-              <a:ext uri="{FF2B5EF4-FFF2-40B4-BE49-F238E27FC236}">
-                <a16:creationId xmlns:a16="http://schemas.microsoft.com/office/drawing/2014/main" id="{C0F8E169-29B7-8142-88E5-EC24A8B762B5}"/>
-              </a:ext>
-            </a:extLst>
-          </p:cNvPr>
-          <p:cNvCxnSpPr/>
-          <p:nvPr/>
-        </p:nvCxnSpPr>
-        <p:spPr>
-          <a:xfrm>
-            <a:off x="8550094" y="1541247"/>
-            <a:ext cx="887775" cy="0"/>
-          </a:xfrm>
-          <a:prstGeom prst="line">
-            <a:avLst/>
-          </a:prstGeom>
-        </p:spPr>
-        <p:style>
-          <a:lnRef idx="1">
-            <a:schemeClr val="accent1"/>
-          </a:lnRef>
-          <a:fillRef idx="0">
-            <a:schemeClr val="accent1"/>
-          </a:fillRef>
-          <a:effectRef idx="0">
-            <a:schemeClr val="accent1"/>
-          </a:effectRef>
-          <a:fontRef idx="minor">
-            <a:schemeClr val="tx1"/>
-          </a:fontRef>
-        </p:style>
-      </p:cxnSp>
-      <p:sp>
-        <p:nvSpPr>
-          <p:cNvPr id="44" name="Rounded Rectangle 43">
-            <a:extLst>
-              <a:ext uri="{FF2B5EF4-FFF2-40B4-BE49-F238E27FC236}">
-                <a16:creationId xmlns:a16="http://schemas.microsoft.com/office/drawing/2014/main" id="{92F8BC2C-2CD7-AB4B-B59F-3F9F1605F78C}"/>
-              </a:ext>
-            </a:extLst>
-          </p:cNvPr>
-          <p:cNvSpPr/>
-          <p:nvPr/>
-        </p:nvSpPr>
-        <p:spPr>
-          <a:xfrm>
-            <a:off x="5780762" y="3231390"/>
-            <a:ext cx="695100" cy="1004494"/>
-          </a:xfrm>
-          <a:prstGeom prst="roundRect">
-            <a:avLst/>
-          </a:prstGeom>
-          <a:pattFill prst="ltUpDiag">
-            <a:fgClr>
-              <a:schemeClr val="accent1"/>
-            </a:fgClr>
-            <a:bgClr>
-              <a:schemeClr val="bg1"/>
-            </a:bgClr>
-          </a:pattFill>
-        </p:spPr>
-        <p:style>
-          <a:lnRef idx="2">
-            <a:schemeClr val="accent1">
-              <a:shade val="50000"/>
-            </a:schemeClr>
-          </a:lnRef>
-          <a:fillRef idx="1">
-            <a:schemeClr val="accent1"/>
-          </a:fillRef>
-          <a:effectRef idx="0">
-            <a:schemeClr val="accent1"/>
-          </a:effectRef>
-          <a:fontRef idx="minor">
-            <a:schemeClr val="lt1"/>
-          </a:fontRef>
-        </p:style>
-        <p:txBody>
-          <a:bodyPr rtlCol="0" anchor="ctr"/>
-          <a:lstStyle/>
-          <a:p>
-            <a:pPr algn="ctr"/>
-            <a:endParaRPr lang="en-US"/>
-          </a:p>
-        </p:txBody>
-      </p:sp>
-      <p:sp>
-        <p:nvSpPr>
-          <p:cNvPr id="48" name="TextBox 47">
-            <a:extLst>
-              <a:ext uri="{FF2B5EF4-FFF2-40B4-BE49-F238E27FC236}">
-                <a16:creationId xmlns:a16="http://schemas.microsoft.com/office/drawing/2014/main" id="{D9BC63DA-96C8-2B45-85FC-139106E1A31B}"/>
-              </a:ext>
-            </a:extLst>
-          </p:cNvPr>
-          <p:cNvSpPr txBox="1"/>
-          <p:nvPr/>
-        </p:nvSpPr>
-        <p:spPr>
-          <a:xfrm>
-            <a:off x="5722445" y="4321382"/>
-            <a:ext cx="814390" cy="646331"/>
-          </a:xfrm>
-          <a:prstGeom prst="rect">
-            <a:avLst/>
-          </a:prstGeom>
-          <a:noFill/>
-        </p:spPr>
-        <p:txBody>
-          <a:bodyPr wrap="none" rtlCol="0">
-            <a:spAutoFit/>
-          </a:bodyPr>
-          <a:lstStyle/>
-          <a:p>
-            <a:r>
-              <a:rPr lang="en-US" dirty="0"/>
-              <a:t>cluster</a:t>
-            </a:r>
-          </a:p>
-          <a:p>
-            <a:r>
-              <a:rPr lang="en-US" dirty="0"/>
-              <a:t>  212</a:t>
-            </a:r>
-          </a:p>
-        </p:txBody>
-      </p:sp>
-      <p:cxnSp>
-        <p:nvCxnSpPr>
-          <p:cNvPr id="50" name="Straight Arrow Connector 49">
-            <a:extLst>
-              <a:ext uri="{FF2B5EF4-FFF2-40B4-BE49-F238E27FC236}">
-                <a16:creationId xmlns:a16="http://schemas.microsoft.com/office/drawing/2014/main" id="{9784442A-A464-D841-A2E6-7F7AE2800A92}"/>
-              </a:ext>
-            </a:extLst>
-          </p:cNvPr>
-          <p:cNvCxnSpPr>
-            <a:cxnSpLocks/>
-            <a:stCxn id="45" idx="3"/>
-            <a:endCxn id="44" idx="1"/>
-          </p:cNvCxnSpPr>
-          <p:nvPr/>
-        </p:nvCxnSpPr>
-        <p:spPr>
-          <a:xfrm flipV="1">
-            <a:off x="5032208" y="3733637"/>
-            <a:ext cx="748554" cy="164"/>
-          </a:xfrm>
-          <a:prstGeom prst="straightConnector1">
-            <a:avLst/>
-          </a:prstGeom>
-          <a:ln>
-            <a:tailEnd type="triangle"/>
-          </a:ln>
-        </p:spPr>
-        <p:style>
-          <a:lnRef idx="1">
-            <a:schemeClr val="accent1"/>
-          </a:lnRef>
-          <a:fillRef idx="0">
-            <a:schemeClr val="accent1"/>
-          </a:fillRef>
-          <a:effectRef idx="0">
-            <a:schemeClr val="accent1"/>
-          </a:effectRef>
-          <a:fontRef idx="minor">
-            <a:schemeClr val="tx1"/>
-          </a:fontRef>
-        </p:style>
-      </p:cxnSp>
-      <p:sp>
-        <p:nvSpPr>
-          <p:cNvPr id="25" name="TextBox 24">
-            <a:extLst>
-              <a:ext uri="{FF2B5EF4-FFF2-40B4-BE49-F238E27FC236}">
-                <a16:creationId xmlns:a16="http://schemas.microsoft.com/office/drawing/2014/main" id="{D669D1D1-4771-304D-8D0C-9BFD57C7A3CE}"/>
-              </a:ext>
-            </a:extLst>
-          </p:cNvPr>
-          <p:cNvSpPr txBox="1"/>
-          <p:nvPr/>
-        </p:nvSpPr>
-        <p:spPr>
-          <a:xfrm>
-            <a:off x="5087704" y="4882842"/>
-            <a:ext cx="685316" cy="646331"/>
-          </a:xfrm>
-          <a:prstGeom prst="rect">
-            <a:avLst/>
-          </a:prstGeom>
-          <a:noFill/>
-        </p:spPr>
-        <p:txBody>
-          <a:bodyPr wrap="none" rtlCol="0">
-            <a:spAutoFit/>
-          </a:bodyPr>
-          <a:lstStyle/>
-          <a:p>
-            <a:r>
-              <a:rPr lang="en-US" dirty="0"/>
-              <a:t>a gap</a:t>
-            </a:r>
-          </a:p>
-          <a:p>
-            <a:r>
-              <a:rPr lang="en-US" dirty="0"/>
-              <a:t>here</a:t>
-            </a:r>
-          </a:p>
-        </p:txBody>
-      </p:sp>
-      <p:cxnSp>
-        <p:nvCxnSpPr>
-          <p:cNvPr id="41" name="Straight Connector 40">
-            <a:extLst>
-              <a:ext uri="{FF2B5EF4-FFF2-40B4-BE49-F238E27FC236}">
-                <a16:creationId xmlns:a16="http://schemas.microsoft.com/office/drawing/2014/main" id="{DBD3AF2C-45B1-0144-A429-77B96C00F620}"/>
-              </a:ext>
-            </a:extLst>
-          </p:cNvPr>
-          <p:cNvCxnSpPr/>
-          <p:nvPr/>
-        </p:nvCxnSpPr>
-        <p:spPr>
-          <a:xfrm>
-            <a:off x="5063193" y="4335509"/>
-            <a:ext cx="0" cy="646331"/>
+            <a:off x="7015910" y="4369290"/>
+            <a:ext cx="0" cy="933174"/>
           </a:xfrm>
           <a:prstGeom prst="line">
             <a:avLst/>
@@ -5164,10 +5192,10 @@
       </p:cxnSp>
       <p:cxnSp>
         <p:nvCxnSpPr>
-          <p:cNvPr id="54" name="Straight Connector 53">
-            <a:extLst>
-              <a:ext uri="{FF2B5EF4-FFF2-40B4-BE49-F238E27FC236}">
-                <a16:creationId xmlns:a16="http://schemas.microsoft.com/office/drawing/2014/main" id="{6742E610-1B0D-4744-8097-E9058F95ACB7}"/>
+          <p:cNvPr id="6" name="Straight Arrow Connector 5">
+            <a:extLst>
+              <a:ext uri="{FF2B5EF4-FFF2-40B4-BE49-F238E27FC236}">
+                <a16:creationId xmlns:a16="http://schemas.microsoft.com/office/drawing/2014/main" id="{C088A233-A320-9847-878D-23DA09567538}"/>
               </a:ext>
             </a:extLst>
           </p:cNvPr>
@@ -5176,12 +5204,16 @@
         </p:nvCxnSpPr>
         <p:spPr>
           <a:xfrm>
-            <a:off x="5768204" y="4335509"/>
-            <a:ext cx="0" cy="646331"/>
-          </a:xfrm>
-          <a:prstGeom prst="line">
+            <a:off x="5174485" y="5072825"/>
+            <a:ext cx="1841425" cy="0"/>
+          </a:xfrm>
+          <a:prstGeom prst="straightConnector1">
             <a:avLst/>
           </a:prstGeom>
+          <a:ln>
+            <a:headEnd type="triangle"/>
+            <a:tailEnd type="triangle"/>
+          </a:ln>
         </p:spPr>
         <p:style>
           <a:lnRef idx="1">

--- a/dfr_metadata/book_chapter/fig/fat3.pptx
+++ b/dfr_metadata/book_chapter/fig/fat3.pptx
@@ -7,7 +7,7 @@
   <p:sldIdLst>
     <p:sldId id="256" r:id="rId3"/>
   </p:sldIdLst>
-  <p:sldSz cx="12192000" cy="6858000"/>
+  <p:sldSz cx="9144000" cy="6858000"/>
   <p:notesSz cx="7772400" cy="10058400"/>
 </p:presentation>
 </file>
@@ -53,7 +53,7 @@
       </p:grpSpPr>
       <p:sp>
         <p:nvSpPr>
-          <p:cNvPr id="22" name="PlaceHolder 1"/>
+          <p:cNvPr id="23" name="PlaceHolder 1"/>
           <p:cNvSpPr>
             <a:spLocks noGrp="1"/>
           </p:cNvSpPr>
@@ -63,12 +63,16 @@
         </p:nvSpPr>
         <p:spPr>
           <a:xfrm>
-            <a:off x="1523880" y="1122480"/>
-            <a:ext cx="9143280" cy="2386800"/>
-          </a:xfrm>
-          <a:prstGeom prst="rect">
-            <a:avLst/>
-          </a:prstGeom>
+            <a:off x="1142640" y="1122480"/>
+            <a:ext cx="6857280" cy="2386440"/>
+          </a:xfrm>
+          <a:prstGeom prst="rect">
+            <a:avLst/>
+          </a:prstGeom>
+          <a:noFill/>
+          <a:ln w="0">
+            <a:noFill/>
+          </a:ln>
         </p:spPr>
         <p:txBody>
           <a:bodyPr lIns="0" rIns="0" tIns="0" bIns="0" anchor="ctr">
@@ -84,25 +88,29 @@
       </p:sp>
       <p:sp>
         <p:nvSpPr>
-          <p:cNvPr id="23" name="PlaceHolder 2"/>
+          <p:cNvPr id="24" name="PlaceHolder 2"/>
           <p:cNvSpPr>
             <a:spLocks noGrp="1"/>
           </p:cNvSpPr>
           <p:nvPr>
-            <p:ph type="body"/>
+            <p:ph/>
           </p:nvPr>
         </p:nvSpPr>
         <p:spPr>
           <a:xfrm>
-            <a:off x="609480" y="1604520"/>
-            <a:ext cx="10972440" cy="1896840"/>
-          </a:xfrm>
-          <a:prstGeom prst="rect">
-            <a:avLst/>
-          </a:prstGeom>
-        </p:spPr>
-        <p:txBody>
-          <a:bodyPr lIns="0" rIns="0" tIns="0" bIns="0">
+            <a:off x="456840" y="1604520"/>
+            <a:ext cx="8228880" cy="1896840"/>
+          </a:xfrm>
+          <a:prstGeom prst="rect">
+            <a:avLst/>
+          </a:prstGeom>
+          <a:noFill/>
+          <a:ln w="0">
+            <a:noFill/>
+          </a:ln>
+        </p:spPr>
+        <p:txBody>
+          <a:bodyPr lIns="0" rIns="0" tIns="0" bIns="0" anchor="t">
             <a:normAutofit/>
           </a:bodyPr>
           <a:p>
@@ -114,25 +122,29 @@
       </p:sp>
       <p:sp>
         <p:nvSpPr>
-          <p:cNvPr id="24" name="PlaceHolder 3"/>
+          <p:cNvPr id="25" name="PlaceHolder 3"/>
           <p:cNvSpPr>
             <a:spLocks noGrp="1"/>
           </p:cNvSpPr>
           <p:nvPr>
-            <p:ph type="body"/>
+            <p:ph/>
           </p:nvPr>
         </p:nvSpPr>
         <p:spPr>
           <a:xfrm>
-            <a:off x="609480" y="3682080"/>
-            <a:ext cx="10972440" cy="1896840"/>
-          </a:xfrm>
-          <a:prstGeom prst="rect">
-            <a:avLst/>
-          </a:prstGeom>
-        </p:spPr>
-        <p:txBody>
-          <a:bodyPr lIns="0" rIns="0" tIns="0" bIns="0">
+            <a:off x="456840" y="3682080"/>
+            <a:ext cx="8228880" cy="1896840"/>
+          </a:xfrm>
+          <a:prstGeom prst="rect">
+            <a:avLst/>
+          </a:prstGeom>
+          <a:noFill/>
+          <a:ln w="0">
+            <a:noFill/>
+          </a:ln>
+        </p:spPr>
+        <p:txBody>
+          <a:bodyPr lIns="0" rIns="0" tIns="0" bIns="0" anchor="t">
             <a:normAutofit/>
           </a:bodyPr>
           <a:p>
@@ -166,7 +178,7 @@
       </p:grpSpPr>
       <p:sp>
         <p:nvSpPr>
-          <p:cNvPr id="25" name="PlaceHolder 1"/>
+          <p:cNvPr id="26" name="PlaceHolder 1"/>
           <p:cNvSpPr>
             <a:spLocks noGrp="1"/>
           </p:cNvSpPr>
@@ -176,12 +188,16 @@
         </p:nvSpPr>
         <p:spPr>
           <a:xfrm>
-            <a:off x="1523880" y="1122480"/>
-            <a:ext cx="9143280" cy="2386800"/>
-          </a:xfrm>
-          <a:prstGeom prst="rect">
-            <a:avLst/>
-          </a:prstGeom>
+            <a:off x="1142640" y="1122480"/>
+            <a:ext cx="6857280" cy="2386440"/>
+          </a:xfrm>
+          <a:prstGeom prst="rect">
+            <a:avLst/>
+          </a:prstGeom>
+          <a:noFill/>
+          <a:ln w="0">
+            <a:noFill/>
+          </a:ln>
         </p:spPr>
         <p:txBody>
           <a:bodyPr lIns="0" rIns="0" tIns="0" bIns="0" anchor="ctr">
@@ -197,25 +213,29 @@
       </p:sp>
       <p:sp>
         <p:nvSpPr>
-          <p:cNvPr id="26" name="PlaceHolder 2"/>
+          <p:cNvPr id="27" name="PlaceHolder 2"/>
           <p:cNvSpPr>
             <a:spLocks noGrp="1"/>
           </p:cNvSpPr>
           <p:nvPr>
-            <p:ph type="body"/>
+            <p:ph/>
           </p:nvPr>
         </p:nvSpPr>
         <p:spPr>
           <a:xfrm>
-            <a:off x="609480" y="1604520"/>
-            <a:ext cx="5354280" cy="1896840"/>
-          </a:xfrm>
-          <a:prstGeom prst="rect">
-            <a:avLst/>
-          </a:prstGeom>
-        </p:spPr>
-        <p:txBody>
-          <a:bodyPr lIns="0" rIns="0" tIns="0" bIns="0">
+            <a:off x="456840" y="1604520"/>
+            <a:ext cx="4015440" cy="1896840"/>
+          </a:xfrm>
+          <a:prstGeom prst="rect">
+            <a:avLst/>
+          </a:prstGeom>
+          <a:noFill/>
+          <a:ln w="0">
+            <a:noFill/>
+          </a:ln>
+        </p:spPr>
+        <p:txBody>
+          <a:bodyPr lIns="0" rIns="0" tIns="0" bIns="0" anchor="t">
             <a:normAutofit/>
           </a:bodyPr>
           <a:p>
@@ -227,25 +247,29 @@
       </p:sp>
       <p:sp>
         <p:nvSpPr>
-          <p:cNvPr id="27" name="PlaceHolder 3"/>
+          <p:cNvPr id="28" name="PlaceHolder 3"/>
           <p:cNvSpPr>
             <a:spLocks noGrp="1"/>
           </p:cNvSpPr>
           <p:nvPr>
-            <p:ph type="body"/>
+            <p:ph/>
           </p:nvPr>
         </p:nvSpPr>
         <p:spPr>
           <a:xfrm>
-            <a:off x="6231960" y="1604520"/>
-            <a:ext cx="5354280" cy="1896840"/>
-          </a:xfrm>
-          <a:prstGeom prst="rect">
-            <a:avLst/>
-          </a:prstGeom>
-        </p:spPr>
-        <p:txBody>
-          <a:bodyPr lIns="0" rIns="0" tIns="0" bIns="0">
+            <a:off x="4673520" y="1604520"/>
+            <a:ext cx="4015440" cy="1896840"/>
+          </a:xfrm>
+          <a:prstGeom prst="rect">
+            <a:avLst/>
+          </a:prstGeom>
+          <a:noFill/>
+          <a:ln w="0">
+            <a:noFill/>
+          </a:ln>
+        </p:spPr>
+        <p:txBody>
+          <a:bodyPr lIns="0" rIns="0" tIns="0" bIns="0" anchor="t">
             <a:normAutofit/>
           </a:bodyPr>
           <a:p>
@@ -257,25 +281,29 @@
       </p:sp>
       <p:sp>
         <p:nvSpPr>
-          <p:cNvPr id="28" name="PlaceHolder 4"/>
+          <p:cNvPr id="29" name="PlaceHolder 4"/>
           <p:cNvSpPr>
             <a:spLocks noGrp="1"/>
           </p:cNvSpPr>
           <p:nvPr>
-            <p:ph type="body"/>
+            <p:ph/>
           </p:nvPr>
         </p:nvSpPr>
         <p:spPr>
           <a:xfrm>
-            <a:off x="609480" y="3682080"/>
-            <a:ext cx="5354280" cy="1896840"/>
-          </a:xfrm>
-          <a:prstGeom prst="rect">
-            <a:avLst/>
-          </a:prstGeom>
-        </p:spPr>
-        <p:txBody>
-          <a:bodyPr lIns="0" rIns="0" tIns="0" bIns="0">
+            <a:off x="456840" y="3682080"/>
+            <a:ext cx="4015440" cy="1896840"/>
+          </a:xfrm>
+          <a:prstGeom prst="rect">
+            <a:avLst/>
+          </a:prstGeom>
+          <a:noFill/>
+          <a:ln w="0">
+            <a:noFill/>
+          </a:ln>
+        </p:spPr>
+        <p:txBody>
+          <a:bodyPr lIns="0" rIns="0" tIns="0" bIns="0" anchor="t">
             <a:normAutofit/>
           </a:bodyPr>
           <a:p>
@@ -287,25 +315,29 @@
       </p:sp>
       <p:sp>
         <p:nvSpPr>
-          <p:cNvPr id="29" name="PlaceHolder 5"/>
+          <p:cNvPr id="30" name="PlaceHolder 5"/>
           <p:cNvSpPr>
             <a:spLocks noGrp="1"/>
           </p:cNvSpPr>
           <p:nvPr>
-            <p:ph type="body"/>
+            <p:ph/>
           </p:nvPr>
         </p:nvSpPr>
         <p:spPr>
           <a:xfrm>
-            <a:off x="6231960" y="3682080"/>
-            <a:ext cx="5354280" cy="1896840"/>
-          </a:xfrm>
-          <a:prstGeom prst="rect">
-            <a:avLst/>
-          </a:prstGeom>
-        </p:spPr>
-        <p:txBody>
-          <a:bodyPr lIns="0" rIns="0" tIns="0" bIns="0">
+            <a:off x="4673520" y="3682080"/>
+            <a:ext cx="4015440" cy="1896840"/>
+          </a:xfrm>
+          <a:prstGeom prst="rect">
+            <a:avLst/>
+          </a:prstGeom>
+          <a:noFill/>
+          <a:ln w="0">
+            <a:noFill/>
+          </a:ln>
+        </p:spPr>
+        <p:txBody>
+          <a:bodyPr lIns="0" rIns="0" tIns="0" bIns="0" anchor="t">
             <a:normAutofit/>
           </a:bodyPr>
           <a:p>
@@ -339,7 +371,7 @@
       </p:grpSpPr>
       <p:sp>
         <p:nvSpPr>
-          <p:cNvPr id="30" name="PlaceHolder 1"/>
+          <p:cNvPr id="31" name="PlaceHolder 1"/>
           <p:cNvSpPr>
             <a:spLocks noGrp="1"/>
           </p:cNvSpPr>
@@ -349,12 +381,16 @@
         </p:nvSpPr>
         <p:spPr>
           <a:xfrm>
-            <a:off x="1523880" y="1122480"/>
-            <a:ext cx="9143280" cy="2386800"/>
-          </a:xfrm>
-          <a:prstGeom prst="rect">
-            <a:avLst/>
-          </a:prstGeom>
+            <a:off x="1142640" y="1122480"/>
+            <a:ext cx="6857280" cy="2386440"/>
+          </a:xfrm>
+          <a:prstGeom prst="rect">
+            <a:avLst/>
+          </a:prstGeom>
+          <a:noFill/>
+          <a:ln w="0">
+            <a:noFill/>
+          </a:ln>
         </p:spPr>
         <p:txBody>
           <a:bodyPr lIns="0" rIns="0" tIns="0" bIns="0" anchor="ctr">
@@ -370,25 +406,29 @@
       </p:sp>
       <p:sp>
         <p:nvSpPr>
-          <p:cNvPr id="31" name="PlaceHolder 2"/>
+          <p:cNvPr id="32" name="PlaceHolder 2"/>
           <p:cNvSpPr>
             <a:spLocks noGrp="1"/>
           </p:cNvSpPr>
           <p:nvPr>
-            <p:ph type="body"/>
+            <p:ph/>
           </p:nvPr>
         </p:nvSpPr>
         <p:spPr>
           <a:xfrm>
-            <a:off x="609480" y="1604520"/>
-            <a:ext cx="3533040" cy="1896840"/>
-          </a:xfrm>
-          <a:prstGeom prst="rect">
-            <a:avLst/>
-          </a:prstGeom>
-        </p:spPr>
-        <p:txBody>
-          <a:bodyPr lIns="0" rIns="0" tIns="0" bIns="0">
+            <a:off x="456840" y="1604520"/>
+            <a:ext cx="2649600" cy="1896840"/>
+          </a:xfrm>
+          <a:prstGeom prst="rect">
+            <a:avLst/>
+          </a:prstGeom>
+          <a:noFill/>
+          <a:ln w="0">
+            <a:noFill/>
+          </a:ln>
+        </p:spPr>
+        <p:txBody>
+          <a:bodyPr lIns="0" rIns="0" tIns="0" bIns="0" anchor="t">
             <a:normAutofit/>
           </a:bodyPr>
           <a:p>
@@ -400,25 +440,29 @@
       </p:sp>
       <p:sp>
         <p:nvSpPr>
-          <p:cNvPr id="32" name="PlaceHolder 3"/>
+          <p:cNvPr id="33" name="PlaceHolder 3"/>
           <p:cNvSpPr>
             <a:spLocks noGrp="1"/>
           </p:cNvSpPr>
           <p:nvPr>
-            <p:ph type="body"/>
+            <p:ph/>
           </p:nvPr>
         </p:nvSpPr>
         <p:spPr>
           <a:xfrm>
-            <a:off x="4319640" y="1604520"/>
-            <a:ext cx="3533040" cy="1896840"/>
-          </a:xfrm>
-          <a:prstGeom prst="rect">
-            <a:avLst/>
-          </a:prstGeom>
-        </p:spPr>
-        <p:txBody>
-          <a:bodyPr lIns="0" rIns="0" tIns="0" bIns="0">
+            <a:off x="3239280" y="1604520"/>
+            <a:ext cx="2649600" cy="1896840"/>
+          </a:xfrm>
+          <a:prstGeom prst="rect">
+            <a:avLst/>
+          </a:prstGeom>
+          <a:noFill/>
+          <a:ln w="0">
+            <a:noFill/>
+          </a:ln>
+        </p:spPr>
+        <p:txBody>
+          <a:bodyPr lIns="0" rIns="0" tIns="0" bIns="0" anchor="t">
             <a:normAutofit/>
           </a:bodyPr>
           <a:p>
@@ -430,25 +474,29 @@
       </p:sp>
       <p:sp>
         <p:nvSpPr>
-          <p:cNvPr id="33" name="PlaceHolder 4"/>
+          <p:cNvPr id="34" name="PlaceHolder 4"/>
           <p:cNvSpPr>
             <a:spLocks noGrp="1"/>
           </p:cNvSpPr>
           <p:nvPr>
-            <p:ph type="body"/>
+            <p:ph/>
           </p:nvPr>
         </p:nvSpPr>
         <p:spPr>
           <a:xfrm>
-            <a:off x="8029800" y="1604520"/>
-            <a:ext cx="3533040" cy="1896840"/>
-          </a:xfrm>
-          <a:prstGeom prst="rect">
-            <a:avLst/>
-          </a:prstGeom>
-        </p:spPr>
-        <p:txBody>
-          <a:bodyPr lIns="0" rIns="0" tIns="0" bIns="0">
+            <a:off x="6021720" y="1604520"/>
+            <a:ext cx="2649600" cy="1896840"/>
+          </a:xfrm>
+          <a:prstGeom prst="rect">
+            <a:avLst/>
+          </a:prstGeom>
+          <a:noFill/>
+          <a:ln w="0">
+            <a:noFill/>
+          </a:ln>
+        </p:spPr>
+        <p:txBody>
+          <a:bodyPr lIns="0" rIns="0" tIns="0" bIns="0" anchor="t">
             <a:normAutofit/>
           </a:bodyPr>
           <a:p>
@@ -460,25 +508,29 @@
       </p:sp>
       <p:sp>
         <p:nvSpPr>
-          <p:cNvPr id="34" name="PlaceHolder 5"/>
+          <p:cNvPr id="35" name="PlaceHolder 5"/>
           <p:cNvSpPr>
             <a:spLocks noGrp="1"/>
           </p:cNvSpPr>
           <p:nvPr>
-            <p:ph type="body"/>
+            <p:ph/>
           </p:nvPr>
         </p:nvSpPr>
         <p:spPr>
           <a:xfrm>
-            <a:off x="609480" y="3682080"/>
-            <a:ext cx="3533040" cy="1896840"/>
-          </a:xfrm>
-          <a:prstGeom prst="rect">
-            <a:avLst/>
-          </a:prstGeom>
-        </p:spPr>
-        <p:txBody>
-          <a:bodyPr lIns="0" rIns="0" tIns="0" bIns="0">
+            <a:off x="456840" y="3682080"/>
+            <a:ext cx="2649600" cy="1896840"/>
+          </a:xfrm>
+          <a:prstGeom prst="rect">
+            <a:avLst/>
+          </a:prstGeom>
+          <a:noFill/>
+          <a:ln w="0">
+            <a:noFill/>
+          </a:ln>
+        </p:spPr>
+        <p:txBody>
+          <a:bodyPr lIns="0" rIns="0" tIns="0" bIns="0" anchor="t">
             <a:normAutofit/>
           </a:bodyPr>
           <a:p>
@@ -490,25 +542,29 @@
       </p:sp>
       <p:sp>
         <p:nvSpPr>
-          <p:cNvPr id="35" name="PlaceHolder 6"/>
+          <p:cNvPr id="36" name="PlaceHolder 6"/>
           <p:cNvSpPr>
             <a:spLocks noGrp="1"/>
           </p:cNvSpPr>
           <p:nvPr>
-            <p:ph type="body"/>
+            <p:ph/>
           </p:nvPr>
         </p:nvSpPr>
         <p:spPr>
           <a:xfrm>
-            <a:off x="4319640" y="3682080"/>
-            <a:ext cx="3533040" cy="1896840"/>
-          </a:xfrm>
-          <a:prstGeom prst="rect">
-            <a:avLst/>
-          </a:prstGeom>
-        </p:spPr>
-        <p:txBody>
-          <a:bodyPr lIns="0" rIns="0" tIns="0" bIns="0">
+            <a:off x="3239280" y="3682080"/>
+            <a:ext cx="2649600" cy="1896840"/>
+          </a:xfrm>
+          <a:prstGeom prst="rect">
+            <a:avLst/>
+          </a:prstGeom>
+          <a:noFill/>
+          <a:ln w="0">
+            <a:noFill/>
+          </a:ln>
+        </p:spPr>
+        <p:txBody>
+          <a:bodyPr lIns="0" rIns="0" tIns="0" bIns="0" anchor="t">
             <a:normAutofit/>
           </a:bodyPr>
           <a:p>
@@ -520,25 +576,29 @@
       </p:sp>
       <p:sp>
         <p:nvSpPr>
-          <p:cNvPr id="36" name="PlaceHolder 7"/>
+          <p:cNvPr id="37" name="PlaceHolder 7"/>
           <p:cNvSpPr>
             <a:spLocks noGrp="1"/>
           </p:cNvSpPr>
           <p:nvPr>
-            <p:ph type="body"/>
+            <p:ph/>
           </p:nvPr>
         </p:nvSpPr>
         <p:spPr>
           <a:xfrm>
-            <a:off x="8029800" y="3682080"/>
-            <a:ext cx="3533040" cy="1896840"/>
-          </a:xfrm>
-          <a:prstGeom prst="rect">
-            <a:avLst/>
-          </a:prstGeom>
-        </p:spPr>
-        <p:txBody>
-          <a:bodyPr lIns="0" rIns="0" tIns="0" bIns="0">
+            <a:off x="6021720" y="3682080"/>
+            <a:ext cx="2649600" cy="1896840"/>
+          </a:xfrm>
+          <a:prstGeom prst="rect">
+            <a:avLst/>
+          </a:prstGeom>
+          <a:noFill/>
+          <a:ln w="0">
+            <a:noFill/>
+          </a:ln>
+        </p:spPr>
+        <p:txBody>
+          <a:bodyPr lIns="0" rIns="0" tIns="0" bIns="0" anchor="t">
             <a:normAutofit/>
           </a:bodyPr>
           <a:p>
@@ -572,7 +632,7 @@
       </p:grpSpPr>
       <p:sp>
         <p:nvSpPr>
-          <p:cNvPr id="1" name="PlaceHolder 1"/>
+          <p:cNvPr id="2" name="PlaceHolder 1"/>
           <p:cNvSpPr>
             <a:spLocks noGrp="1"/>
           </p:cNvSpPr>
@@ -582,12 +642,16 @@
         </p:nvSpPr>
         <p:spPr>
           <a:xfrm>
-            <a:off x="1523880" y="1122480"/>
-            <a:ext cx="9143280" cy="2386800"/>
-          </a:xfrm>
-          <a:prstGeom prst="rect">
-            <a:avLst/>
-          </a:prstGeom>
+            <a:off x="1142640" y="1122480"/>
+            <a:ext cx="6857280" cy="2386440"/>
+          </a:xfrm>
+          <a:prstGeom prst="rect">
+            <a:avLst/>
+          </a:prstGeom>
+          <a:noFill/>
+          <a:ln w="0">
+            <a:noFill/>
+          </a:ln>
         </p:spPr>
         <p:txBody>
           <a:bodyPr lIns="0" rIns="0" tIns="0" bIns="0" anchor="ctr">
@@ -603,7 +667,7 @@
       </p:sp>
       <p:sp>
         <p:nvSpPr>
-          <p:cNvPr id="2" name="PlaceHolder 2"/>
+          <p:cNvPr id="3" name="PlaceHolder 2"/>
           <p:cNvSpPr>
             <a:spLocks noGrp="1"/>
           </p:cNvSpPr>
@@ -613,12 +677,16 @@
         </p:nvSpPr>
         <p:spPr>
           <a:xfrm>
-            <a:off x="609480" y="1604520"/>
-            <a:ext cx="10972440" cy="3977280"/>
-          </a:xfrm>
-          <a:prstGeom prst="rect">
-            <a:avLst/>
-          </a:prstGeom>
+            <a:off x="456840" y="1604520"/>
+            <a:ext cx="8228880" cy="3976920"/>
+          </a:xfrm>
+          <a:prstGeom prst="rect">
+            <a:avLst/>
+          </a:prstGeom>
+          <a:noFill/>
+          <a:ln w="0">
+            <a:noFill/>
+          </a:ln>
         </p:spPr>
         <p:txBody>
           <a:bodyPr lIns="0" rIns="0" tIns="0" bIns="0" anchor="ctr">
@@ -656,7 +724,7 @@
       </p:grpSpPr>
       <p:sp>
         <p:nvSpPr>
-          <p:cNvPr id="3" name="PlaceHolder 1"/>
+          <p:cNvPr id="4" name="PlaceHolder 1"/>
           <p:cNvSpPr>
             <a:spLocks noGrp="1"/>
           </p:cNvSpPr>
@@ -666,12 +734,16 @@
         </p:nvSpPr>
         <p:spPr>
           <a:xfrm>
-            <a:off x="1523880" y="1122480"/>
-            <a:ext cx="9143280" cy="2386800"/>
-          </a:xfrm>
-          <a:prstGeom prst="rect">
-            <a:avLst/>
-          </a:prstGeom>
+            <a:off x="1142640" y="1122480"/>
+            <a:ext cx="6857280" cy="2386440"/>
+          </a:xfrm>
+          <a:prstGeom prst="rect">
+            <a:avLst/>
+          </a:prstGeom>
+          <a:noFill/>
+          <a:ln w="0">
+            <a:noFill/>
+          </a:ln>
         </p:spPr>
         <p:txBody>
           <a:bodyPr lIns="0" rIns="0" tIns="0" bIns="0" anchor="ctr">
@@ -687,25 +759,29 @@
       </p:sp>
       <p:sp>
         <p:nvSpPr>
-          <p:cNvPr id="4" name="PlaceHolder 2"/>
+          <p:cNvPr id="5" name="PlaceHolder 2"/>
           <p:cNvSpPr>
             <a:spLocks noGrp="1"/>
           </p:cNvSpPr>
           <p:nvPr>
-            <p:ph type="body"/>
+            <p:ph/>
           </p:nvPr>
         </p:nvSpPr>
         <p:spPr>
           <a:xfrm>
-            <a:off x="609480" y="1604520"/>
-            <a:ext cx="10972440" cy="3977280"/>
-          </a:xfrm>
-          <a:prstGeom prst="rect">
-            <a:avLst/>
-          </a:prstGeom>
-        </p:spPr>
-        <p:txBody>
-          <a:bodyPr lIns="0" rIns="0" tIns="0" bIns="0">
+            <a:off x="456840" y="1604520"/>
+            <a:ext cx="8228880" cy="3976920"/>
+          </a:xfrm>
+          <a:prstGeom prst="rect">
+            <a:avLst/>
+          </a:prstGeom>
+          <a:noFill/>
+          <a:ln w="0">
+            <a:noFill/>
+          </a:ln>
+        </p:spPr>
+        <p:txBody>
+          <a:bodyPr lIns="0" rIns="0" tIns="0" bIns="0" anchor="t">
             <a:normAutofit/>
           </a:bodyPr>
           <a:p>
@@ -739,7 +815,7 @@
       </p:grpSpPr>
       <p:sp>
         <p:nvSpPr>
-          <p:cNvPr id="5" name="PlaceHolder 1"/>
+          <p:cNvPr id="6" name="PlaceHolder 1"/>
           <p:cNvSpPr>
             <a:spLocks noGrp="1"/>
           </p:cNvSpPr>
@@ -749,12 +825,16 @@
         </p:nvSpPr>
         <p:spPr>
           <a:xfrm>
-            <a:off x="1523880" y="1122480"/>
-            <a:ext cx="9143280" cy="2386800"/>
-          </a:xfrm>
-          <a:prstGeom prst="rect">
-            <a:avLst/>
-          </a:prstGeom>
+            <a:off x="1142640" y="1122480"/>
+            <a:ext cx="6857280" cy="2386440"/>
+          </a:xfrm>
+          <a:prstGeom prst="rect">
+            <a:avLst/>
+          </a:prstGeom>
+          <a:noFill/>
+          <a:ln w="0">
+            <a:noFill/>
+          </a:ln>
         </p:spPr>
         <p:txBody>
           <a:bodyPr lIns="0" rIns="0" tIns="0" bIns="0" anchor="ctr">
@@ -770,25 +850,29 @@
       </p:sp>
       <p:sp>
         <p:nvSpPr>
-          <p:cNvPr id="6" name="PlaceHolder 2"/>
+          <p:cNvPr id="7" name="PlaceHolder 2"/>
           <p:cNvSpPr>
             <a:spLocks noGrp="1"/>
           </p:cNvSpPr>
           <p:nvPr>
-            <p:ph type="body"/>
+            <p:ph/>
           </p:nvPr>
         </p:nvSpPr>
         <p:spPr>
           <a:xfrm>
-            <a:off x="609480" y="1604520"/>
-            <a:ext cx="5354280" cy="3977280"/>
-          </a:xfrm>
-          <a:prstGeom prst="rect">
-            <a:avLst/>
-          </a:prstGeom>
-        </p:spPr>
-        <p:txBody>
-          <a:bodyPr lIns="0" rIns="0" tIns="0" bIns="0">
+            <a:off x="456840" y="1604520"/>
+            <a:ext cx="4015440" cy="3976920"/>
+          </a:xfrm>
+          <a:prstGeom prst="rect">
+            <a:avLst/>
+          </a:prstGeom>
+          <a:noFill/>
+          <a:ln w="0">
+            <a:noFill/>
+          </a:ln>
+        </p:spPr>
+        <p:txBody>
+          <a:bodyPr lIns="0" rIns="0" tIns="0" bIns="0" anchor="t">
             <a:normAutofit/>
           </a:bodyPr>
           <a:p>
@@ -800,25 +884,29 @@
       </p:sp>
       <p:sp>
         <p:nvSpPr>
-          <p:cNvPr id="7" name="PlaceHolder 3"/>
+          <p:cNvPr id="8" name="PlaceHolder 3"/>
           <p:cNvSpPr>
             <a:spLocks noGrp="1"/>
           </p:cNvSpPr>
           <p:nvPr>
-            <p:ph type="body"/>
+            <p:ph/>
           </p:nvPr>
         </p:nvSpPr>
         <p:spPr>
           <a:xfrm>
-            <a:off x="6231960" y="1604520"/>
-            <a:ext cx="5354280" cy="3977280"/>
-          </a:xfrm>
-          <a:prstGeom prst="rect">
-            <a:avLst/>
-          </a:prstGeom>
-        </p:spPr>
-        <p:txBody>
-          <a:bodyPr lIns="0" rIns="0" tIns="0" bIns="0">
+            <a:off x="4673520" y="1604520"/>
+            <a:ext cx="4015440" cy="3976920"/>
+          </a:xfrm>
+          <a:prstGeom prst="rect">
+            <a:avLst/>
+          </a:prstGeom>
+          <a:noFill/>
+          <a:ln w="0">
+            <a:noFill/>
+          </a:ln>
+        </p:spPr>
+        <p:txBody>
+          <a:bodyPr lIns="0" rIns="0" tIns="0" bIns="0" anchor="t">
             <a:normAutofit/>
           </a:bodyPr>
           <a:p>
@@ -852,7 +940,7 @@
       </p:grpSpPr>
       <p:sp>
         <p:nvSpPr>
-          <p:cNvPr id="8" name="PlaceHolder 1"/>
+          <p:cNvPr id="9" name="PlaceHolder 1"/>
           <p:cNvSpPr>
             <a:spLocks noGrp="1"/>
           </p:cNvSpPr>
@@ -862,12 +950,16 @@
         </p:nvSpPr>
         <p:spPr>
           <a:xfrm>
-            <a:off x="1523880" y="1122480"/>
-            <a:ext cx="9143280" cy="2386800"/>
-          </a:xfrm>
-          <a:prstGeom prst="rect">
-            <a:avLst/>
-          </a:prstGeom>
+            <a:off x="1142640" y="1122480"/>
+            <a:ext cx="6857280" cy="2386440"/>
+          </a:xfrm>
+          <a:prstGeom prst="rect">
+            <a:avLst/>
+          </a:prstGeom>
+          <a:noFill/>
+          <a:ln w="0">
+            <a:noFill/>
+          </a:ln>
         </p:spPr>
         <p:txBody>
           <a:bodyPr lIns="0" rIns="0" tIns="0" bIns="0" anchor="ctr">
@@ -905,7 +997,7 @@
       </p:grpSpPr>
       <p:sp>
         <p:nvSpPr>
-          <p:cNvPr id="9" name="PlaceHolder 1"/>
+          <p:cNvPr id="10" name="PlaceHolder 1"/>
           <p:cNvSpPr>
             <a:spLocks noGrp="1"/>
           </p:cNvSpPr>
@@ -915,12 +1007,16 @@
         </p:nvSpPr>
         <p:spPr>
           <a:xfrm>
-            <a:off x="1523880" y="1122480"/>
-            <a:ext cx="9143280" cy="11064960"/>
-          </a:xfrm>
-          <a:prstGeom prst="rect">
-            <a:avLst/>
-          </a:prstGeom>
+            <a:off x="1142640" y="1122480"/>
+            <a:ext cx="6857280" cy="11063520"/>
+          </a:xfrm>
+          <a:prstGeom prst="rect">
+            <a:avLst/>
+          </a:prstGeom>
+          <a:noFill/>
+          <a:ln w="0">
+            <a:noFill/>
+          </a:ln>
         </p:spPr>
         <p:txBody>
           <a:bodyPr lIns="0" rIns="0" tIns="0" bIns="0" anchor="ctr">
@@ -958,7 +1054,7 @@
       </p:grpSpPr>
       <p:sp>
         <p:nvSpPr>
-          <p:cNvPr id="10" name="PlaceHolder 1"/>
+          <p:cNvPr id="11" name="PlaceHolder 1"/>
           <p:cNvSpPr>
             <a:spLocks noGrp="1"/>
           </p:cNvSpPr>
@@ -968,12 +1064,16 @@
         </p:nvSpPr>
         <p:spPr>
           <a:xfrm>
-            <a:off x="1523880" y="1122480"/>
-            <a:ext cx="9143280" cy="2386800"/>
-          </a:xfrm>
-          <a:prstGeom prst="rect">
-            <a:avLst/>
-          </a:prstGeom>
+            <a:off x="1142640" y="1122480"/>
+            <a:ext cx="6857280" cy="2386440"/>
+          </a:xfrm>
+          <a:prstGeom prst="rect">
+            <a:avLst/>
+          </a:prstGeom>
+          <a:noFill/>
+          <a:ln w="0">
+            <a:noFill/>
+          </a:ln>
         </p:spPr>
         <p:txBody>
           <a:bodyPr lIns="0" rIns="0" tIns="0" bIns="0" anchor="ctr">
@@ -989,25 +1089,29 @@
       </p:sp>
       <p:sp>
         <p:nvSpPr>
-          <p:cNvPr id="11" name="PlaceHolder 2"/>
+          <p:cNvPr id="12" name="PlaceHolder 2"/>
           <p:cNvSpPr>
             <a:spLocks noGrp="1"/>
           </p:cNvSpPr>
           <p:nvPr>
-            <p:ph type="body"/>
+            <p:ph/>
           </p:nvPr>
         </p:nvSpPr>
         <p:spPr>
           <a:xfrm>
-            <a:off x="609480" y="1604520"/>
-            <a:ext cx="5354280" cy="1896840"/>
-          </a:xfrm>
-          <a:prstGeom prst="rect">
-            <a:avLst/>
-          </a:prstGeom>
-        </p:spPr>
-        <p:txBody>
-          <a:bodyPr lIns="0" rIns="0" tIns="0" bIns="0">
+            <a:off x="456840" y="1604520"/>
+            <a:ext cx="4015440" cy="1896840"/>
+          </a:xfrm>
+          <a:prstGeom prst="rect">
+            <a:avLst/>
+          </a:prstGeom>
+          <a:noFill/>
+          <a:ln w="0">
+            <a:noFill/>
+          </a:ln>
+        </p:spPr>
+        <p:txBody>
+          <a:bodyPr lIns="0" rIns="0" tIns="0" bIns="0" anchor="t">
             <a:normAutofit/>
           </a:bodyPr>
           <a:p>
@@ -1019,25 +1123,29 @@
       </p:sp>
       <p:sp>
         <p:nvSpPr>
-          <p:cNvPr id="12" name="PlaceHolder 3"/>
+          <p:cNvPr id="13" name="PlaceHolder 3"/>
           <p:cNvSpPr>
             <a:spLocks noGrp="1"/>
           </p:cNvSpPr>
           <p:nvPr>
-            <p:ph type="body"/>
+            <p:ph/>
           </p:nvPr>
         </p:nvSpPr>
         <p:spPr>
           <a:xfrm>
-            <a:off x="6231960" y="1604520"/>
-            <a:ext cx="5354280" cy="3977280"/>
-          </a:xfrm>
-          <a:prstGeom prst="rect">
-            <a:avLst/>
-          </a:prstGeom>
-        </p:spPr>
-        <p:txBody>
-          <a:bodyPr lIns="0" rIns="0" tIns="0" bIns="0">
+            <a:off x="4673520" y="1604520"/>
+            <a:ext cx="4015440" cy="3976920"/>
+          </a:xfrm>
+          <a:prstGeom prst="rect">
+            <a:avLst/>
+          </a:prstGeom>
+          <a:noFill/>
+          <a:ln w="0">
+            <a:noFill/>
+          </a:ln>
+        </p:spPr>
+        <p:txBody>
+          <a:bodyPr lIns="0" rIns="0" tIns="0" bIns="0" anchor="t">
             <a:normAutofit/>
           </a:bodyPr>
           <a:p>
@@ -1049,25 +1157,29 @@
       </p:sp>
       <p:sp>
         <p:nvSpPr>
-          <p:cNvPr id="13" name="PlaceHolder 4"/>
+          <p:cNvPr id="14" name="PlaceHolder 4"/>
           <p:cNvSpPr>
             <a:spLocks noGrp="1"/>
           </p:cNvSpPr>
           <p:nvPr>
-            <p:ph type="body"/>
+            <p:ph/>
           </p:nvPr>
         </p:nvSpPr>
         <p:spPr>
           <a:xfrm>
-            <a:off x="609480" y="3682080"/>
-            <a:ext cx="5354280" cy="1896840"/>
-          </a:xfrm>
-          <a:prstGeom prst="rect">
-            <a:avLst/>
-          </a:prstGeom>
-        </p:spPr>
-        <p:txBody>
-          <a:bodyPr lIns="0" rIns="0" tIns="0" bIns="0">
+            <a:off x="456840" y="3682080"/>
+            <a:ext cx="4015440" cy="1896840"/>
+          </a:xfrm>
+          <a:prstGeom prst="rect">
+            <a:avLst/>
+          </a:prstGeom>
+          <a:noFill/>
+          <a:ln w="0">
+            <a:noFill/>
+          </a:ln>
+        </p:spPr>
+        <p:txBody>
+          <a:bodyPr lIns="0" rIns="0" tIns="0" bIns="0" anchor="t">
             <a:normAutofit/>
           </a:bodyPr>
           <a:p>
@@ -1101,7 +1213,7 @@
       </p:grpSpPr>
       <p:sp>
         <p:nvSpPr>
-          <p:cNvPr id="14" name="PlaceHolder 1"/>
+          <p:cNvPr id="15" name="PlaceHolder 1"/>
           <p:cNvSpPr>
             <a:spLocks noGrp="1"/>
           </p:cNvSpPr>
@@ -1111,12 +1223,16 @@
         </p:nvSpPr>
         <p:spPr>
           <a:xfrm>
-            <a:off x="1523880" y="1122480"/>
-            <a:ext cx="9143280" cy="2386800"/>
-          </a:xfrm>
-          <a:prstGeom prst="rect">
-            <a:avLst/>
-          </a:prstGeom>
+            <a:off x="1142640" y="1122480"/>
+            <a:ext cx="6857280" cy="2386440"/>
+          </a:xfrm>
+          <a:prstGeom prst="rect">
+            <a:avLst/>
+          </a:prstGeom>
+          <a:noFill/>
+          <a:ln w="0">
+            <a:noFill/>
+          </a:ln>
         </p:spPr>
         <p:txBody>
           <a:bodyPr lIns="0" rIns="0" tIns="0" bIns="0" anchor="ctr">
@@ -1132,25 +1248,29 @@
       </p:sp>
       <p:sp>
         <p:nvSpPr>
-          <p:cNvPr id="15" name="PlaceHolder 2"/>
+          <p:cNvPr id="16" name="PlaceHolder 2"/>
           <p:cNvSpPr>
             <a:spLocks noGrp="1"/>
           </p:cNvSpPr>
           <p:nvPr>
-            <p:ph type="body"/>
+            <p:ph/>
           </p:nvPr>
         </p:nvSpPr>
         <p:spPr>
           <a:xfrm>
-            <a:off x="609480" y="1604520"/>
-            <a:ext cx="5354280" cy="3977280"/>
-          </a:xfrm>
-          <a:prstGeom prst="rect">
-            <a:avLst/>
-          </a:prstGeom>
-        </p:spPr>
-        <p:txBody>
-          <a:bodyPr lIns="0" rIns="0" tIns="0" bIns="0">
+            <a:off x="456840" y="1604520"/>
+            <a:ext cx="4015440" cy="3976920"/>
+          </a:xfrm>
+          <a:prstGeom prst="rect">
+            <a:avLst/>
+          </a:prstGeom>
+          <a:noFill/>
+          <a:ln w="0">
+            <a:noFill/>
+          </a:ln>
+        </p:spPr>
+        <p:txBody>
+          <a:bodyPr lIns="0" rIns="0" tIns="0" bIns="0" anchor="t">
             <a:normAutofit/>
           </a:bodyPr>
           <a:p>
@@ -1162,25 +1282,29 @@
       </p:sp>
       <p:sp>
         <p:nvSpPr>
-          <p:cNvPr id="16" name="PlaceHolder 3"/>
+          <p:cNvPr id="17" name="PlaceHolder 3"/>
           <p:cNvSpPr>
             <a:spLocks noGrp="1"/>
           </p:cNvSpPr>
           <p:nvPr>
-            <p:ph type="body"/>
+            <p:ph/>
           </p:nvPr>
         </p:nvSpPr>
         <p:spPr>
           <a:xfrm>
-            <a:off x="6231960" y="1604520"/>
-            <a:ext cx="5354280" cy="1896840"/>
-          </a:xfrm>
-          <a:prstGeom prst="rect">
-            <a:avLst/>
-          </a:prstGeom>
-        </p:spPr>
-        <p:txBody>
-          <a:bodyPr lIns="0" rIns="0" tIns="0" bIns="0">
+            <a:off x="4673520" y="1604520"/>
+            <a:ext cx="4015440" cy="1896840"/>
+          </a:xfrm>
+          <a:prstGeom prst="rect">
+            <a:avLst/>
+          </a:prstGeom>
+          <a:noFill/>
+          <a:ln w="0">
+            <a:noFill/>
+          </a:ln>
+        </p:spPr>
+        <p:txBody>
+          <a:bodyPr lIns="0" rIns="0" tIns="0" bIns="0" anchor="t">
             <a:normAutofit/>
           </a:bodyPr>
           <a:p>
@@ -1192,25 +1316,29 @@
       </p:sp>
       <p:sp>
         <p:nvSpPr>
-          <p:cNvPr id="17" name="PlaceHolder 4"/>
+          <p:cNvPr id="18" name="PlaceHolder 4"/>
           <p:cNvSpPr>
             <a:spLocks noGrp="1"/>
           </p:cNvSpPr>
           <p:nvPr>
-            <p:ph type="body"/>
+            <p:ph/>
           </p:nvPr>
         </p:nvSpPr>
         <p:spPr>
           <a:xfrm>
-            <a:off x="6231960" y="3682080"/>
-            <a:ext cx="5354280" cy="1896840"/>
-          </a:xfrm>
-          <a:prstGeom prst="rect">
-            <a:avLst/>
-          </a:prstGeom>
-        </p:spPr>
-        <p:txBody>
-          <a:bodyPr lIns="0" rIns="0" tIns="0" bIns="0">
+            <a:off x="4673520" y="3682080"/>
+            <a:ext cx="4015440" cy="1896840"/>
+          </a:xfrm>
+          <a:prstGeom prst="rect">
+            <a:avLst/>
+          </a:prstGeom>
+          <a:noFill/>
+          <a:ln w="0">
+            <a:noFill/>
+          </a:ln>
+        </p:spPr>
+        <p:txBody>
+          <a:bodyPr lIns="0" rIns="0" tIns="0" bIns="0" anchor="t">
             <a:normAutofit/>
           </a:bodyPr>
           <a:p>
@@ -1244,7 +1372,7 @@
       </p:grpSpPr>
       <p:sp>
         <p:nvSpPr>
-          <p:cNvPr id="18" name="PlaceHolder 1"/>
+          <p:cNvPr id="19" name="PlaceHolder 1"/>
           <p:cNvSpPr>
             <a:spLocks noGrp="1"/>
           </p:cNvSpPr>
@@ -1254,12 +1382,16 @@
         </p:nvSpPr>
         <p:spPr>
           <a:xfrm>
-            <a:off x="1523880" y="1122480"/>
-            <a:ext cx="9143280" cy="2386800"/>
-          </a:xfrm>
-          <a:prstGeom prst="rect">
-            <a:avLst/>
-          </a:prstGeom>
+            <a:off x="1142640" y="1122480"/>
+            <a:ext cx="6857280" cy="2386440"/>
+          </a:xfrm>
+          <a:prstGeom prst="rect">
+            <a:avLst/>
+          </a:prstGeom>
+          <a:noFill/>
+          <a:ln w="0">
+            <a:noFill/>
+          </a:ln>
         </p:spPr>
         <p:txBody>
           <a:bodyPr lIns="0" rIns="0" tIns="0" bIns="0" anchor="ctr">
@@ -1275,25 +1407,29 @@
       </p:sp>
       <p:sp>
         <p:nvSpPr>
-          <p:cNvPr id="19" name="PlaceHolder 2"/>
+          <p:cNvPr id="20" name="PlaceHolder 2"/>
           <p:cNvSpPr>
             <a:spLocks noGrp="1"/>
           </p:cNvSpPr>
           <p:nvPr>
-            <p:ph type="body"/>
+            <p:ph/>
           </p:nvPr>
         </p:nvSpPr>
         <p:spPr>
           <a:xfrm>
-            <a:off x="609480" y="1604520"/>
-            <a:ext cx="5354280" cy="1896840"/>
-          </a:xfrm>
-          <a:prstGeom prst="rect">
-            <a:avLst/>
-          </a:prstGeom>
-        </p:spPr>
-        <p:txBody>
-          <a:bodyPr lIns="0" rIns="0" tIns="0" bIns="0">
+            <a:off x="456840" y="1604520"/>
+            <a:ext cx="4015440" cy="1896840"/>
+          </a:xfrm>
+          <a:prstGeom prst="rect">
+            <a:avLst/>
+          </a:prstGeom>
+          <a:noFill/>
+          <a:ln w="0">
+            <a:noFill/>
+          </a:ln>
+        </p:spPr>
+        <p:txBody>
+          <a:bodyPr lIns="0" rIns="0" tIns="0" bIns="0" anchor="t">
             <a:normAutofit/>
           </a:bodyPr>
           <a:p>
@@ -1305,25 +1441,29 @@
       </p:sp>
       <p:sp>
         <p:nvSpPr>
-          <p:cNvPr id="20" name="PlaceHolder 3"/>
+          <p:cNvPr id="21" name="PlaceHolder 3"/>
           <p:cNvSpPr>
             <a:spLocks noGrp="1"/>
           </p:cNvSpPr>
           <p:nvPr>
-            <p:ph type="body"/>
+            <p:ph/>
           </p:nvPr>
         </p:nvSpPr>
         <p:spPr>
           <a:xfrm>
-            <a:off x="6231960" y="1604520"/>
-            <a:ext cx="5354280" cy="1896840"/>
-          </a:xfrm>
-          <a:prstGeom prst="rect">
-            <a:avLst/>
-          </a:prstGeom>
-        </p:spPr>
-        <p:txBody>
-          <a:bodyPr lIns="0" rIns="0" tIns="0" bIns="0">
+            <a:off x="4673520" y="1604520"/>
+            <a:ext cx="4015440" cy="1896840"/>
+          </a:xfrm>
+          <a:prstGeom prst="rect">
+            <a:avLst/>
+          </a:prstGeom>
+          <a:noFill/>
+          <a:ln w="0">
+            <a:noFill/>
+          </a:ln>
+        </p:spPr>
+        <p:txBody>
+          <a:bodyPr lIns="0" rIns="0" tIns="0" bIns="0" anchor="t">
             <a:normAutofit/>
           </a:bodyPr>
           <a:p>
@@ -1335,25 +1475,29 @@
       </p:sp>
       <p:sp>
         <p:nvSpPr>
-          <p:cNvPr id="21" name="PlaceHolder 4"/>
+          <p:cNvPr id="22" name="PlaceHolder 4"/>
           <p:cNvSpPr>
             <a:spLocks noGrp="1"/>
           </p:cNvSpPr>
           <p:nvPr>
-            <p:ph type="body"/>
+            <p:ph/>
           </p:nvPr>
         </p:nvSpPr>
         <p:spPr>
           <a:xfrm>
-            <a:off x="609480" y="3682080"/>
-            <a:ext cx="10972440" cy="1896840"/>
-          </a:xfrm>
-          <a:prstGeom prst="rect">
-            <a:avLst/>
-          </a:prstGeom>
-        </p:spPr>
-        <p:txBody>
-          <a:bodyPr lIns="0" rIns="0" tIns="0" bIns="0">
+            <a:off x="456840" y="3682080"/>
+            <a:ext cx="8228880" cy="1896840"/>
+          </a:xfrm>
+          <a:prstGeom prst="rect">
+            <a:avLst/>
+          </a:prstGeom>
+          <a:noFill/>
+          <a:ln w="0">
+            <a:noFill/>
+          </a:ln>
+        </p:spPr>
+        <p:txBody>
+          <a:bodyPr lIns="0" rIns="0" tIns="0" bIns="0" anchor="t">
             <a:normAutofit/>
           </a:bodyPr>
           <a:p>
@@ -1404,12 +1548,16 @@
         </p:nvSpPr>
         <p:spPr>
           <a:xfrm>
-            <a:off x="1523880" y="1122480"/>
-            <a:ext cx="9143280" cy="2386800"/>
-          </a:xfrm>
-          <a:prstGeom prst="rect">
-            <a:avLst/>
-          </a:prstGeom>
+            <a:off x="1142640" y="1122480"/>
+            <a:ext cx="6857280" cy="2386440"/>
+          </a:xfrm>
+          <a:prstGeom prst="rect">
+            <a:avLst/>
+          </a:prstGeom>
+          <a:noFill/>
+          <a:ln w="0">
+            <a:noFill/>
+          </a:ln>
         </p:spPr>
         <p:txBody>
           <a:bodyPr lIns="0" rIns="0" tIns="0" bIns="0" anchor="ctr">
@@ -1421,6 +1569,189 @@
                 <a:latin typeface="Arial"/>
               </a:rPr>
               <a:t>Click to edit the title text format</a:t>
+            </a:r>
+            <a:endParaRPr b="0" lang="en-US" sz="1800" spc="-1" strike="noStrike">
+              <a:latin typeface="Arial"/>
+            </a:endParaRPr>
+          </a:p>
+        </p:txBody>
+      </p:sp>
+      <p:sp>
+        <p:nvSpPr>
+          <p:cNvPr id="1" name="PlaceHolder 2"/>
+          <p:cNvSpPr>
+            <a:spLocks noGrp="1"/>
+          </p:cNvSpPr>
+          <p:nvPr>
+            <p:ph type="body"/>
+          </p:nvPr>
+        </p:nvSpPr>
+        <p:spPr>
+          <a:xfrm>
+            <a:off x="456840" y="1604520"/>
+            <a:ext cx="8228880" cy="3976920"/>
+          </a:xfrm>
+          <a:prstGeom prst="rect">
+            <a:avLst/>
+          </a:prstGeom>
+          <a:noFill/>
+          <a:ln w="0">
+            <a:noFill/>
+          </a:ln>
+        </p:spPr>
+        <p:txBody>
+          <a:bodyPr lIns="0" rIns="0" tIns="0" bIns="0" anchor="t">
+            <a:normAutofit/>
+          </a:bodyPr>
+          <a:p>
+            <a:pPr marL="432000" indent="-324000">
+              <a:spcBef>
+                <a:spcPts val="1417"/>
+              </a:spcBef>
+              <a:buClr>
+                <a:srgbClr val="000000"/>
+              </a:buClr>
+              <a:buSzPct val="45000"/>
+              <a:buFont typeface="Wingdings" charset="2"/>
+              <a:buChar char=""/>
+            </a:pPr>
+            <a:r>
+              <a:rPr b="0" lang="en-US" sz="1800" spc="-1" strike="noStrike">
+                <a:latin typeface="Arial"/>
+              </a:rPr>
+              <a:t>Click to edit the outline text format</a:t>
+            </a:r>
+            <a:endParaRPr b="0" lang="en-US" sz="1800" spc="-1" strike="noStrike">
+              <a:latin typeface="Arial"/>
+            </a:endParaRPr>
+          </a:p>
+          <a:p>
+            <a:pPr lvl="1" marL="864000" indent="-324000">
+              <a:spcBef>
+                <a:spcPts val="1134"/>
+              </a:spcBef>
+              <a:buClr>
+                <a:srgbClr val="000000"/>
+              </a:buClr>
+              <a:buSzPct val="75000"/>
+              <a:buFont typeface="Symbol" charset="2"/>
+              <a:buChar char=""/>
+            </a:pPr>
+            <a:r>
+              <a:rPr b="0" lang="en-US" sz="1800" spc="-1" strike="noStrike">
+                <a:latin typeface="Arial"/>
+              </a:rPr>
+              <a:t>Second Outline Level</a:t>
+            </a:r>
+            <a:endParaRPr b="0" lang="en-US" sz="1800" spc="-1" strike="noStrike">
+              <a:latin typeface="Arial"/>
+            </a:endParaRPr>
+          </a:p>
+          <a:p>
+            <a:pPr lvl="2" marL="1296000" indent="-288000">
+              <a:spcBef>
+                <a:spcPts val="850"/>
+              </a:spcBef>
+              <a:buClr>
+                <a:srgbClr val="000000"/>
+              </a:buClr>
+              <a:buSzPct val="45000"/>
+              <a:buFont typeface="Wingdings" charset="2"/>
+              <a:buChar char=""/>
+            </a:pPr>
+            <a:r>
+              <a:rPr b="0" lang="en-US" sz="1800" spc="-1" strike="noStrike">
+                <a:latin typeface="Arial"/>
+              </a:rPr>
+              <a:t>Third Outline Level</a:t>
+            </a:r>
+            <a:endParaRPr b="0" lang="en-US" sz="1800" spc="-1" strike="noStrike">
+              <a:latin typeface="Arial"/>
+            </a:endParaRPr>
+          </a:p>
+          <a:p>
+            <a:pPr lvl="3" marL="1728000" indent="-216000">
+              <a:spcBef>
+                <a:spcPts val="567"/>
+              </a:spcBef>
+              <a:buClr>
+                <a:srgbClr val="000000"/>
+              </a:buClr>
+              <a:buSzPct val="75000"/>
+              <a:buFont typeface="Symbol" charset="2"/>
+              <a:buChar char=""/>
+            </a:pPr>
+            <a:r>
+              <a:rPr b="0" lang="en-US" sz="1800" spc="-1" strike="noStrike">
+                <a:latin typeface="Arial"/>
+              </a:rPr>
+              <a:t>Fourth Outline Level</a:t>
+            </a:r>
+            <a:endParaRPr b="0" lang="en-US" sz="1800" spc="-1" strike="noStrike">
+              <a:latin typeface="Arial"/>
+            </a:endParaRPr>
+          </a:p>
+          <a:p>
+            <a:pPr lvl="4" marL="2160000" indent="-216000">
+              <a:spcBef>
+                <a:spcPts val="283"/>
+              </a:spcBef>
+              <a:buClr>
+                <a:srgbClr val="000000"/>
+              </a:buClr>
+              <a:buSzPct val="45000"/>
+              <a:buFont typeface="Wingdings" charset="2"/>
+              <a:buChar char=""/>
+            </a:pPr>
+            <a:r>
+              <a:rPr b="0" lang="en-US" sz="1800" spc="-1" strike="noStrike">
+                <a:latin typeface="Arial"/>
+              </a:rPr>
+              <a:t>Fifth Outline Level</a:t>
+            </a:r>
+            <a:endParaRPr b="0" lang="en-US" sz="1800" spc="-1" strike="noStrike">
+              <a:latin typeface="Arial"/>
+            </a:endParaRPr>
+          </a:p>
+          <a:p>
+            <a:pPr lvl="5" marL="2592000" indent="-216000">
+              <a:spcBef>
+                <a:spcPts val="283"/>
+              </a:spcBef>
+              <a:buClr>
+                <a:srgbClr val="000000"/>
+              </a:buClr>
+              <a:buSzPct val="45000"/>
+              <a:buFont typeface="Wingdings" charset="2"/>
+              <a:buChar char=""/>
+            </a:pPr>
+            <a:r>
+              <a:rPr b="0" lang="en-US" sz="1800" spc="-1" strike="noStrike">
+                <a:latin typeface="Arial"/>
+              </a:rPr>
+              <a:t>Sixth Outline Level</a:t>
+            </a:r>
+            <a:endParaRPr b="0" lang="en-US" sz="1800" spc="-1" strike="noStrike">
+              <a:latin typeface="Arial"/>
+            </a:endParaRPr>
+          </a:p>
+          <a:p>
+            <a:pPr lvl="6" marL="3024000" indent="-216000">
+              <a:spcBef>
+                <a:spcPts val="283"/>
+              </a:spcBef>
+              <a:buClr>
+                <a:srgbClr val="000000"/>
+              </a:buClr>
+              <a:buSzPct val="45000"/>
+              <a:buFont typeface="Wingdings" charset="2"/>
+              <a:buChar char=""/>
+            </a:pPr>
+            <a:r>
+              <a:rPr b="0" lang="en-US" sz="1800" spc="-1" strike="noStrike">
+                <a:latin typeface="Arial"/>
+              </a:rPr>
+              <a:t>Seventh Outline Level</a:t>
             </a:r>
             <a:endParaRPr b="0" lang="en-US" sz="1800" spc="-1" strike="noStrike">
               <a:latin typeface="Arial"/>
@@ -1451,6 +1782,13 @@
 <file path=ppt/slides/slide1.xml><?xml version="1.0" encoding="utf-8"?>
 <p:sld xmlns:a="http://schemas.openxmlformats.org/drawingml/2006/main" xmlns:p="http://schemas.openxmlformats.org/presentationml/2006/main" xmlns:r="http://schemas.openxmlformats.org/officeDocument/2006/relationships" xmlns:p14="http://schemas.microsoft.com/office/powerpoint/2010/main" xmlns:p15="http://schemas.microsoft.com/office/powerpoint/2012/main" xmlns:mc="http://schemas.openxmlformats.org/markup-compatibility/2006">
   <p:cSld>
+    <p:bg>
+      <p:bgPr>
+        <a:solidFill>
+          <a:srgbClr val="ffffff"/>
+        </a:solidFill>
+      </p:bgPr>
+    </p:bg>
     <p:spTree>
       <p:nvGrpSpPr>
         <p:cNvPr id="1" name=""/>
@@ -1467,14 +1805,14 @@
       </p:grpSpPr>
       <p:sp>
         <p:nvSpPr>
-          <p:cNvPr id="37" name="Rectangle 3"/>
-          <p:cNvSpPr/>
-          <p:nvPr/>
-        </p:nvSpPr>
-        <p:spPr>
-          <a:xfrm>
-            <a:off x="3996360" y="1430280"/>
-            <a:ext cx="3584880" cy="771480"/>
+          <p:cNvPr id="38" name="Rectangle 3"/>
+          <p:cNvSpPr/>
+          <p:nvPr/>
+        </p:nvSpPr>
+        <p:spPr>
+          <a:xfrm>
+            <a:off x="1758240" y="1664280"/>
+            <a:ext cx="3584520" cy="771120"/>
           </a:xfrm>
           <a:prstGeom prst="rect">
             <a:avLst/>
@@ -1503,14 +1841,14 @@
       </p:sp>
       <p:sp>
         <p:nvSpPr>
-          <p:cNvPr id="38" name="Rectangle 6"/>
-          <p:cNvSpPr/>
-          <p:nvPr/>
-        </p:nvSpPr>
-        <p:spPr>
-          <a:xfrm>
-            <a:off x="8563680" y="451800"/>
-            <a:ext cx="887040" cy="5240160"/>
+          <p:cNvPr id="39" name="Rectangle 6"/>
+          <p:cNvSpPr/>
+          <p:nvPr/>
+        </p:nvSpPr>
+        <p:spPr>
+          <a:xfrm>
+            <a:off x="6325560" y="685800"/>
+            <a:ext cx="886680" cy="5239800"/>
           </a:xfrm>
           <a:prstGeom prst="rect">
             <a:avLst/>
@@ -1539,14 +1877,14 @@
       </p:sp>
       <p:sp>
         <p:nvSpPr>
-          <p:cNvPr id="39" name="Straight Connector 8"/>
-          <p:cNvSpPr/>
-          <p:nvPr/>
-        </p:nvSpPr>
-        <p:spPr>
-          <a:xfrm>
-            <a:off x="8550000" y="803160"/>
-            <a:ext cx="887760" cy="0"/>
+          <p:cNvPr id="40" name="Straight Connector 8"/>
+          <p:cNvSpPr/>
+          <p:nvPr/>
+        </p:nvSpPr>
+        <p:spPr>
+          <a:xfrm>
+            <a:off x="6311880" y="1037160"/>
+            <a:ext cx="887760" cy="360"/>
           </a:xfrm>
           <a:prstGeom prst="line">
             <a:avLst/>
@@ -1572,14 +1910,14 @@
       </p:sp>
       <p:sp>
         <p:nvSpPr>
-          <p:cNvPr id="40" name="Straight Connector 9"/>
-          <p:cNvSpPr/>
-          <p:nvPr/>
-        </p:nvSpPr>
-        <p:spPr>
-          <a:xfrm>
-            <a:off x="8563320" y="1167480"/>
-            <a:ext cx="887760" cy="0"/>
+          <p:cNvPr id="41" name="Straight Connector 9"/>
+          <p:cNvSpPr/>
+          <p:nvPr/>
+        </p:nvSpPr>
+        <p:spPr>
+          <a:xfrm>
+            <a:off x="6325200" y="1401480"/>
+            <a:ext cx="887760" cy="360"/>
           </a:xfrm>
           <a:prstGeom prst="line">
             <a:avLst/>
@@ -1605,14 +1943,14 @@
       </p:sp>
       <p:sp>
         <p:nvSpPr>
-          <p:cNvPr id="41" name="Straight Connector 10"/>
-          <p:cNvSpPr/>
-          <p:nvPr/>
-        </p:nvSpPr>
-        <p:spPr>
-          <a:xfrm>
-            <a:off x="8563680" y="2375280"/>
-            <a:ext cx="887400" cy="0"/>
+          <p:cNvPr id="42" name="Straight Connector 10"/>
+          <p:cNvSpPr/>
+          <p:nvPr/>
+        </p:nvSpPr>
+        <p:spPr>
+          <a:xfrm>
+            <a:off x="6325560" y="2609280"/>
+            <a:ext cx="887400" cy="360"/>
           </a:xfrm>
           <a:prstGeom prst="line">
             <a:avLst/>
@@ -1638,14 +1976,14 @@
       </p:sp>
       <p:sp>
         <p:nvSpPr>
-          <p:cNvPr id="42" name="Straight Connector 11"/>
-          <p:cNvSpPr/>
-          <p:nvPr/>
-        </p:nvSpPr>
-        <p:spPr>
-          <a:xfrm>
-            <a:off x="8563320" y="2833200"/>
-            <a:ext cx="887760" cy="0"/>
+          <p:cNvPr id="43" name="Straight Connector 11"/>
+          <p:cNvSpPr/>
+          <p:nvPr/>
+        </p:nvSpPr>
+        <p:spPr>
+          <a:xfrm>
+            <a:off x="6325200" y="3067200"/>
+            <a:ext cx="887760" cy="360"/>
           </a:xfrm>
           <a:prstGeom prst="line">
             <a:avLst/>
@@ -1671,14 +2009,14 @@
       </p:sp>
       <p:sp>
         <p:nvSpPr>
-          <p:cNvPr id="43" name="Straight Connector 12"/>
-          <p:cNvSpPr/>
-          <p:nvPr/>
-        </p:nvSpPr>
-        <p:spPr>
-          <a:xfrm>
-            <a:off x="8550000" y="3250080"/>
-            <a:ext cx="887760" cy="0"/>
+          <p:cNvPr id="44" name="Straight Connector 12"/>
+          <p:cNvSpPr/>
+          <p:nvPr/>
+        </p:nvSpPr>
+        <p:spPr>
+          <a:xfrm>
+            <a:off x="6311880" y="3484080"/>
+            <a:ext cx="887760" cy="360"/>
           </a:xfrm>
           <a:prstGeom prst="line">
             <a:avLst/>
@@ -1704,14 +2042,14 @@
       </p:sp>
       <p:sp>
         <p:nvSpPr>
-          <p:cNvPr id="44" name="Straight Connector 13"/>
-          <p:cNvSpPr/>
-          <p:nvPr/>
-        </p:nvSpPr>
-        <p:spPr>
-          <a:xfrm>
-            <a:off x="8563320" y="3687480"/>
-            <a:ext cx="887760" cy="0"/>
+          <p:cNvPr id="45" name="Straight Connector 13"/>
+          <p:cNvSpPr/>
+          <p:nvPr/>
+        </p:nvSpPr>
+        <p:spPr>
+          <a:xfrm>
+            <a:off x="6325200" y="3921480"/>
+            <a:ext cx="887760" cy="360"/>
           </a:xfrm>
           <a:prstGeom prst="line">
             <a:avLst/>
@@ -1737,14 +2075,14 @@
       </p:sp>
       <p:sp>
         <p:nvSpPr>
-          <p:cNvPr id="45" name="Straight Connector 14"/>
-          <p:cNvSpPr/>
-          <p:nvPr/>
-        </p:nvSpPr>
-        <p:spPr>
-          <a:xfrm>
-            <a:off x="8563320" y="4120200"/>
-            <a:ext cx="887760" cy="0"/>
+          <p:cNvPr id="46" name="Straight Connector 14"/>
+          <p:cNvSpPr/>
+          <p:nvPr/>
+        </p:nvSpPr>
+        <p:spPr>
+          <a:xfrm>
+            <a:off x="6325200" y="4354200"/>
+            <a:ext cx="887760" cy="360"/>
           </a:xfrm>
           <a:prstGeom prst="line">
             <a:avLst/>
@@ -1770,14 +2108,14 @@
       </p:sp>
       <p:sp>
         <p:nvSpPr>
-          <p:cNvPr id="46" name="Straight Connector 15"/>
-          <p:cNvSpPr/>
-          <p:nvPr/>
-        </p:nvSpPr>
-        <p:spPr>
-          <a:xfrm>
-            <a:off x="8563320" y="4548960"/>
-            <a:ext cx="887760" cy="0"/>
+          <p:cNvPr id="47" name="Straight Connector 15"/>
+          <p:cNvSpPr/>
+          <p:nvPr/>
+        </p:nvSpPr>
+        <p:spPr>
+          <a:xfrm>
+            <a:off x="6325200" y="4782960"/>
+            <a:ext cx="887760" cy="360"/>
           </a:xfrm>
           <a:prstGeom prst="line">
             <a:avLst/>
@@ -1803,14 +2141,14 @@
       </p:sp>
       <p:sp>
         <p:nvSpPr>
-          <p:cNvPr id="47" name="TextBox 16"/>
+          <p:cNvPr id="48" name="TextBox 16"/>
           <p:cNvSpPr/>
           <p:nvPr/>
         </p:nvSpPr>
         <p:spPr>
           <a:xfrm rot="5400000">
-            <a:off x="8596440" y="1794600"/>
-            <a:ext cx="920160" cy="364320"/>
+            <a:off x="6358680" y="2028600"/>
+            <a:ext cx="919800" cy="363960"/>
           </a:xfrm>
           <a:prstGeom prst="rect">
             <a:avLst/>
@@ -1827,7 +2165,7 @@
           <a:fontRef idx="minor"/>
         </p:style>
         <p:txBody>
-          <a:bodyPr lIns="90000" rIns="90000" tIns="45000" bIns="45000">
+          <a:bodyPr lIns="90000" rIns="90000" tIns="45000" bIns="45000" anchor="t">
             <a:spAutoFit/>
           </a:bodyPr>
           <a:p>
@@ -1854,14 +2192,14 @@
       </p:sp>
       <p:sp>
         <p:nvSpPr>
-          <p:cNvPr id="48" name="TextBox 18"/>
+          <p:cNvPr id="49" name="TextBox 18"/>
           <p:cNvSpPr/>
           <p:nvPr/>
         </p:nvSpPr>
         <p:spPr>
           <a:xfrm rot="5400000">
-            <a:off x="8574480" y="4889880"/>
-            <a:ext cx="875160" cy="364680"/>
+            <a:off x="6336720" y="5123880"/>
+            <a:ext cx="874800" cy="364320"/>
           </a:xfrm>
           <a:prstGeom prst="rect">
             <a:avLst/>
@@ -1878,7 +2216,7 @@
           <a:fontRef idx="minor"/>
         </p:style>
         <p:txBody>
-          <a:bodyPr wrap="none" lIns="90000" rIns="90000" tIns="45000" bIns="45000">
+          <a:bodyPr wrap="none" lIns="90000" rIns="90000" tIns="45000" bIns="45000" anchor="t">
             <a:spAutoFit/>
           </a:bodyPr>
           <a:p>
@@ -1905,14 +2243,14 @@
       </p:sp>
       <p:sp>
         <p:nvSpPr>
-          <p:cNvPr id="49" name="TextBox 19"/>
-          <p:cNvSpPr/>
-          <p:nvPr/>
-        </p:nvSpPr>
-        <p:spPr>
-          <a:xfrm>
-            <a:off x="3280320" y="4343040"/>
-            <a:ext cx="813600" cy="638640"/>
+          <p:cNvPr id="50" name="TextBox 19"/>
+          <p:cNvSpPr/>
+          <p:nvPr/>
+        </p:nvSpPr>
+        <p:spPr>
+          <a:xfrm>
+            <a:off x="1042200" y="4577040"/>
+            <a:ext cx="813240" cy="638280"/>
           </a:xfrm>
           <a:prstGeom prst="rect">
             <a:avLst/>
@@ -1929,7 +2267,7 @@
           <a:fontRef idx="minor"/>
         </p:style>
         <p:txBody>
-          <a:bodyPr lIns="90000" rIns="90000" tIns="45000" bIns="45000">
+          <a:bodyPr lIns="90000" rIns="90000" tIns="45000" bIns="45000" anchor="t">
             <a:spAutoFit/>
           </a:bodyPr>
           <a:p>
@@ -1986,14 +2324,14 @@
       </p:sp>
       <p:sp>
         <p:nvSpPr>
-          <p:cNvPr id="50" name="TextBox 20"/>
-          <p:cNvSpPr/>
-          <p:nvPr/>
-        </p:nvSpPr>
-        <p:spPr>
-          <a:xfrm>
-            <a:off x="7179840" y="4303800"/>
-            <a:ext cx="803880" cy="638640"/>
+          <p:cNvPr id="51" name="TextBox 20"/>
+          <p:cNvSpPr/>
+          <p:nvPr/>
+        </p:nvSpPr>
+        <p:spPr>
+          <a:xfrm>
+            <a:off x="4941720" y="4537800"/>
+            <a:ext cx="803520" cy="638280"/>
           </a:xfrm>
           <a:prstGeom prst="rect">
             <a:avLst/>
@@ -2010,7 +2348,7 @@
           <a:fontRef idx="minor"/>
         </p:style>
         <p:txBody>
-          <a:bodyPr wrap="none" lIns="90000" rIns="90000" tIns="45000" bIns="45000">
+          <a:bodyPr wrap="none" lIns="90000" rIns="90000" tIns="45000" bIns="45000" anchor="t">
             <a:spAutoFit/>
           </a:bodyPr>
           <a:p>
@@ -2067,14 +2405,14 @@
       </p:sp>
       <p:sp>
         <p:nvSpPr>
-          <p:cNvPr id="51" name="Straight Connector 21"/>
-          <p:cNvSpPr/>
-          <p:nvPr/>
-        </p:nvSpPr>
-        <p:spPr>
-          <a:xfrm>
-            <a:off x="5174280" y="1430280"/>
-            <a:ext cx="0" cy="771840"/>
+          <p:cNvPr id="52" name="Straight Connector 21"/>
+          <p:cNvSpPr/>
+          <p:nvPr/>
+        </p:nvSpPr>
+        <p:spPr>
+          <a:xfrm>
+            <a:off x="2936160" y="1664280"/>
+            <a:ext cx="360" cy="771840"/>
           </a:xfrm>
           <a:prstGeom prst="line">
             <a:avLst/>
@@ -2100,14 +2438,14 @@
       </p:sp>
       <p:sp>
         <p:nvSpPr>
-          <p:cNvPr id="52" name="Straight Connector 25"/>
-          <p:cNvSpPr/>
-          <p:nvPr/>
-        </p:nvSpPr>
-        <p:spPr>
-          <a:xfrm>
-            <a:off x="6247800" y="1430280"/>
-            <a:ext cx="0" cy="771840"/>
+          <p:cNvPr id="53" name="Straight Connector 25"/>
+          <p:cNvSpPr/>
+          <p:nvPr/>
+        </p:nvSpPr>
+        <p:spPr>
+          <a:xfrm>
+            <a:off x="4009680" y="1664280"/>
+            <a:ext cx="360" cy="771840"/>
           </a:xfrm>
           <a:prstGeom prst="line">
             <a:avLst/>
@@ -2133,14 +2471,14 @@
       </p:sp>
       <p:sp>
         <p:nvSpPr>
-          <p:cNvPr id="53" name="TextBox 26"/>
-          <p:cNvSpPr/>
-          <p:nvPr/>
-        </p:nvSpPr>
-        <p:spPr>
-          <a:xfrm>
-            <a:off x="6304320" y="1486800"/>
-            <a:ext cx="1280160" cy="638640"/>
+          <p:cNvPr id="54" name="TextBox 26"/>
+          <p:cNvSpPr/>
+          <p:nvPr/>
+        </p:nvSpPr>
+        <p:spPr>
+          <a:xfrm>
+            <a:off x="4066200" y="1720800"/>
+            <a:ext cx="1279800" cy="638280"/>
           </a:xfrm>
           <a:prstGeom prst="rect">
             <a:avLst/>
@@ -2157,7 +2495,7 @@
           <a:fontRef idx="minor"/>
         </p:style>
         <p:txBody>
-          <a:bodyPr lIns="90000" rIns="90000" tIns="45000" bIns="45000">
+          <a:bodyPr lIns="90000" rIns="90000" tIns="45000" bIns="45000" anchor="t">
             <a:spAutoFit/>
           </a:bodyPr>
           <a:p>
@@ -2204,14 +2542,14 @@
       </p:sp>
       <p:sp>
         <p:nvSpPr>
-          <p:cNvPr id="54" name="TextBox 27"/>
-          <p:cNvSpPr/>
-          <p:nvPr/>
-        </p:nvSpPr>
-        <p:spPr>
-          <a:xfrm>
-            <a:off x="5267880" y="1504080"/>
-            <a:ext cx="842400" cy="638640"/>
+          <p:cNvPr id="55" name="TextBox 27"/>
+          <p:cNvSpPr/>
+          <p:nvPr/>
+        </p:nvSpPr>
+        <p:spPr>
+          <a:xfrm>
+            <a:off x="3029760" y="1738080"/>
+            <a:ext cx="842040" cy="638280"/>
           </a:xfrm>
           <a:prstGeom prst="rect">
             <a:avLst/>
@@ -2228,7 +2566,7 @@
           <a:fontRef idx="minor"/>
         </p:style>
         <p:txBody>
-          <a:bodyPr lIns="90000" rIns="90000" tIns="45000" bIns="45000">
+          <a:bodyPr lIns="90000" rIns="90000" tIns="45000" bIns="45000" anchor="t">
             <a:spAutoFit/>
           </a:bodyPr>
           <a:p>
@@ -2275,14 +2613,14 @@
       </p:sp>
       <p:sp>
         <p:nvSpPr>
-          <p:cNvPr id="55" name="TextBox 28"/>
-          <p:cNvSpPr/>
-          <p:nvPr/>
-        </p:nvSpPr>
-        <p:spPr>
-          <a:xfrm>
-            <a:off x="4062240" y="1530360"/>
-            <a:ext cx="980280" cy="364320"/>
+          <p:cNvPr id="56" name="TextBox 28"/>
+          <p:cNvSpPr/>
+          <p:nvPr/>
+        </p:nvSpPr>
+        <p:spPr>
+          <a:xfrm>
+            <a:off x="1824120" y="1764360"/>
+            <a:ext cx="979920" cy="363960"/>
           </a:xfrm>
           <a:prstGeom prst="rect">
             <a:avLst/>
@@ -2299,7 +2637,7 @@
           <a:fontRef idx="minor"/>
         </p:style>
         <p:txBody>
-          <a:bodyPr lIns="90000" rIns="90000" tIns="45000" bIns="45000">
+          <a:bodyPr lIns="90000" rIns="90000" tIns="45000" bIns="45000" anchor="t">
             <a:spAutoFit/>
           </a:bodyPr>
           <a:p>
@@ -2336,14 +2674,14 @@
       </p:sp>
       <p:sp>
         <p:nvSpPr>
-          <p:cNvPr id="56" name="TextBox 29"/>
-          <p:cNvSpPr/>
-          <p:nvPr/>
-        </p:nvSpPr>
-        <p:spPr>
-          <a:xfrm>
-            <a:off x="8570160" y="5844960"/>
-            <a:ext cx="1018800" cy="364320"/>
+          <p:cNvPr id="57" name="TextBox 29"/>
+          <p:cNvSpPr/>
+          <p:nvPr/>
+        </p:nvSpPr>
+        <p:spPr>
+          <a:xfrm>
+            <a:off x="6332040" y="6078960"/>
+            <a:ext cx="1018440" cy="363960"/>
           </a:xfrm>
           <a:prstGeom prst="rect">
             <a:avLst/>
@@ -2360,7 +2698,7 @@
           <a:fontRef idx="minor"/>
         </p:style>
         <p:txBody>
-          <a:bodyPr wrap="none" lIns="90000" rIns="90000" tIns="45000" bIns="45000">
+          <a:bodyPr wrap="none" lIns="90000" rIns="90000" tIns="45000" bIns="45000" anchor="t">
             <a:spAutoFit/>
           </a:bodyPr>
           <a:p>
@@ -2387,14 +2725,14 @@
       </p:sp>
       <p:sp>
         <p:nvSpPr>
-          <p:cNvPr id="57" name="TextBox 31"/>
-          <p:cNvSpPr/>
-          <p:nvPr/>
-        </p:nvSpPr>
-        <p:spPr>
-          <a:xfrm>
-            <a:off x="9497520" y="2401200"/>
-            <a:ext cx="1186560" cy="364320"/>
+          <p:cNvPr id="58" name="TextBox 31"/>
+          <p:cNvSpPr/>
+          <p:nvPr/>
+        </p:nvSpPr>
+        <p:spPr>
+          <a:xfrm>
+            <a:off x="7259400" y="2635200"/>
+            <a:ext cx="1186200" cy="363960"/>
           </a:xfrm>
           <a:prstGeom prst="rect">
             <a:avLst/>
@@ -2411,7 +2749,7 @@
           <a:fontRef idx="minor"/>
         </p:style>
         <p:txBody>
-          <a:bodyPr wrap="none" lIns="90000" rIns="90000" tIns="45000" bIns="45000">
+          <a:bodyPr wrap="none" lIns="90000" rIns="90000" tIns="45000" bIns="45000" anchor="t">
             <a:spAutoFit/>
           </a:bodyPr>
           <a:p>
@@ -2458,14 +2796,14 @@
       </p:sp>
       <p:sp>
         <p:nvSpPr>
-          <p:cNvPr id="58" name="TextBox 32"/>
-          <p:cNvSpPr/>
-          <p:nvPr/>
-        </p:nvSpPr>
-        <p:spPr>
-          <a:xfrm>
-            <a:off x="9508320" y="2867760"/>
-            <a:ext cx="1165320" cy="364320"/>
+          <p:cNvPr id="59" name="TextBox 32"/>
+          <p:cNvSpPr/>
+          <p:nvPr/>
+        </p:nvSpPr>
+        <p:spPr>
+          <a:xfrm>
+            <a:off x="7270200" y="3101760"/>
+            <a:ext cx="1165320" cy="363960"/>
           </a:xfrm>
           <a:prstGeom prst="rect">
             <a:avLst/>
@@ -2482,7 +2820,7 @@
           <a:fontRef idx="minor"/>
         </p:style>
         <p:txBody>
-          <a:bodyPr wrap="none" lIns="90000" rIns="90000" tIns="45000" bIns="45000">
+          <a:bodyPr wrap="none" lIns="90000" rIns="90000" tIns="45000" bIns="45000" anchor="t">
             <a:spAutoFit/>
           </a:bodyPr>
           <a:p>
@@ -2529,14 +2867,14 @@
       </p:sp>
       <p:sp>
         <p:nvSpPr>
-          <p:cNvPr id="59" name="TextBox 33"/>
-          <p:cNvSpPr/>
-          <p:nvPr/>
-        </p:nvSpPr>
-        <p:spPr>
-          <a:xfrm>
-            <a:off x="9498600" y="3708000"/>
-            <a:ext cx="1185480" cy="364320"/>
+          <p:cNvPr id="60" name="TextBox 33"/>
+          <p:cNvSpPr/>
+          <p:nvPr/>
+        </p:nvSpPr>
+        <p:spPr>
+          <a:xfrm>
+            <a:off x="7260480" y="3942000"/>
+            <a:ext cx="1185480" cy="363960"/>
           </a:xfrm>
           <a:prstGeom prst="rect">
             <a:avLst/>
@@ -2553,7 +2891,7 @@
           <a:fontRef idx="minor"/>
         </p:style>
         <p:txBody>
-          <a:bodyPr wrap="none" lIns="90000" rIns="90000" tIns="45000" bIns="45000">
+          <a:bodyPr wrap="none" lIns="90000" rIns="90000" tIns="45000" bIns="45000" anchor="t">
             <a:spAutoFit/>
           </a:bodyPr>
           <a:p>
@@ -2600,14 +2938,14 @@
       </p:sp>
       <p:sp>
         <p:nvSpPr>
-          <p:cNvPr id="60" name="TextBox 34"/>
-          <p:cNvSpPr/>
-          <p:nvPr/>
-        </p:nvSpPr>
-        <p:spPr>
-          <a:xfrm>
-            <a:off x="9497520" y="4150800"/>
-            <a:ext cx="1186560" cy="364320"/>
+          <p:cNvPr id="61" name="TextBox 34"/>
+          <p:cNvSpPr/>
+          <p:nvPr/>
+        </p:nvSpPr>
+        <p:spPr>
+          <a:xfrm>
+            <a:off x="7259400" y="4384800"/>
+            <a:ext cx="1186200" cy="363960"/>
           </a:xfrm>
           <a:prstGeom prst="rect">
             <a:avLst/>
@@ -2624,7 +2962,7 @@
           <a:fontRef idx="minor"/>
         </p:style>
         <p:txBody>
-          <a:bodyPr wrap="none" lIns="90000" rIns="90000" tIns="45000" bIns="45000">
+          <a:bodyPr wrap="none" lIns="90000" rIns="90000" tIns="45000" bIns="45000" anchor="t">
             <a:spAutoFit/>
           </a:bodyPr>
           <a:p>
@@ -2671,14 +3009,14 @@
       </p:sp>
       <p:sp>
         <p:nvSpPr>
-          <p:cNvPr id="61" name="TextBox 35"/>
-          <p:cNvSpPr/>
-          <p:nvPr/>
-        </p:nvSpPr>
-        <p:spPr>
-          <a:xfrm>
-            <a:off x="8750160" y="2833200"/>
-            <a:ext cx="528120" cy="364320"/>
+          <p:cNvPr id="62" name="TextBox 35"/>
+          <p:cNvSpPr/>
+          <p:nvPr/>
+        </p:nvSpPr>
+        <p:spPr>
+          <a:xfrm>
+            <a:off x="6512040" y="3067200"/>
+            <a:ext cx="527760" cy="363960"/>
           </a:xfrm>
           <a:prstGeom prst="rect">
             <a:avLst/>
@@ -2695,7 +3033,7 @@
           <a:fontRef idx="minor"/>
         </p:style>
         <p:txBody>
-          <a:bodyPr wrap="none" lIns="90000" rIns="90000" tIns="45000" bIns="45000">
+          <a:bodyPr wrap="none" lIns="90000" rIns="90000" tIns="45000" bIns="45000" anchor="t">
             <a:spAutoFit/>
           </a:bodyPr>
           <a:p>
@@ -2722,14 +3060,14 @@
       </p:sp>
       <p:sp>
         <p:nvSpPr>
-          <p:cNvPr id="62" name="TextBox 36"/>
-          <p:cNvSpPr/>
-          <p:nvPr/>
-        </p:nvSpPr>
-        <p:spPr>
-          <a:xfrm>
-            <a:off x="8765280" y="2381040"/>
-            <a:ext cx="528120" cy="364320"/>
+          <p:cNvPr id="63" name="TextBox 36"/>
+          <p:cNvSpPr/>
+          <p:nvPr/>
+        </p:nvSpPr>
+        <p:spPr>
+          <a:xfrm>
+            <a:off x="6527160" y="2615040"/>
+            <a:ext cx="527760" cy="363960"/>
           </a:xfrm>
           <a:prstGeom prst="rect">
             <a:avLst/>
@@ -2746,7 +3084,7 @@
           <a:fontRef idx="minor"/>
         </p:style>
         <p:txBody>
-          <a:bodyPr wrap="none" lIns="90000" rIns="90000" tIns="45000" bIns="45000">
+          <a:bodyPr wrap="none" lIns="90000" rIns="90000" tIns="45000" bIns="45000" anchor="t">
             <a:spAutoFit/>
           </a:bodyPr>
           <a:p>
@@ -2773,14 +3111,14 @@
       </p:sp>
       <p:sp>
         <p:nvSpPr>
-          <p:cNvPr id="63" name="TextBox 37"/>
-          <p:cNvSpPr/>
-          <p:nvPr/>
-        </p:nvSpPr>
-        <p:spPr>
-          <a:xfrm>
-            <a:off x="8687880" y="3722040"/>
-            <a:ext cx="452160" cy="364320"/>
+          <p:cNvPr id="64" name="TextBox 37"/>
+          <p:cNvSpPr/>
+          <p:nvPr/>
+        </p:nvSpPr>
+        <p:spPr>
+          <a:xfrm>
+            <a:off x="6449760" y="3956040"/>
+            <a:ext cx="451800" cy="363960"/>
           </a:xfrm>
           <a:prstGeom prst="rect">
             <a:avLst/>
@@ -2797,7 +3135,7 @@
           <a:fontRef idx="minor"/>
         </p:style>
         <p:txBody>
-          <a:bodyPr wrap="none" lIns="90000" rIns="90000" tIns="45000" bIns="45000">
+          <a:bodyPr wrap="none" lIns="90000" rIns="90000" tIns="45000" bIns="45000" anchor="t">
             <a:spAutoFit/>
           </a:bodyPr>
           <a:p>
@@ -2834,14 +3172,14 @@
       </p:sp>
       <p:sp>
         <p:nvSpPr>
-          <p:cNvPr id="64" name="TextBox 38"/>
-          <p:cNvSpPr/>
-          <p:nvPr/>
-        </p:nvSpPr>
-        <p:spPr>
-          <a:xfrm>
-            <a:off x="8715600" y="4102920"/>
-            <a:ext cx="545040" cy="364320"/>
+          <p:cNvPr id="65" name="TextBox 38"/>
+          <p:cNvSpPr/>
+          <p:nvPr/>
+        </p:nvSpPr>
+        <p:spPr>
+          <a:xfrm>
+            <a:off x="6477480" y="4336920"/>
+            <a:ext cx="544680" cy="363960"/>
           </a:xfrm>
           <a:prstGeom prst="rect">
             <a:avLst/>
@@ -2858,7 +3196,7 @@
           <a:fontRef idx="minor"/>
         </p:style>
         <p:txBody>
-          <a:bodyPr wrap="none" lIns="90000" rIns="90000" tIns="45000" bIns="45000">
+          <a:bodyPr wrap="none" lIns="90000" rIns="90000" tIns="45000" bIns="45000" anchor="t">
             <a:spAutoFit/>
           </a:bodyPr>
           <a:p>
@@ -2885,14 +3223,14 @@
       </p:sp>
       <p:sp>
         <p:nvSpPr>
-          <p:cNvPr id="65" name="TextBox 39"/>
-          <p:cNvSpPr/>
-          <p:nvPr/>
-        </p:nvSpPr>
-        <p:spPr>
-          <a:xfrm>
-            <a:off x="4320000" y="991440"/>
-            <a:ext cx="2801160" cy="364320"/>
+          <p:cNvPr id="66" name="TextBox 39"/>
+          <p:cNvSpPr/>
+          <p:nvPr/>
+        </p:nvSpPr>
+        <p:spPr>
+          <a:xfrm>
+            <a:off x="2081880" y="1225440"/>
+            <a:ext cx="2800800" cy="363960"/>
           </a:xfrm>
           <a:prstGeom prst="rect">
             <a:avLst/>
@@ -2909,7 +3247,7 @@
           <a:fontRef idx="minor"/>
         </p:style>
         <p:txBody>
-          <a:bodyPr lIns="90000" rIns="90000" tIns="45000" bIns="45000">
+          <a:bodyPr lIns="90000" rIns="90000" tIns="45000" bIns="45000" anchor="t">
             <a:spAutoFit/>
           </a:bodyPr>
           <a:p>
@@ -2956,14 +3294,14 @@
       </p:sp>
       <p:sp>
         <p:nvSpPr>
-          <p:cNvPr id="66" name="Elbow Connector 41"/>
+          <p:cNvPr id="67" name="Elbow Connector 41"/>
           <p:cNvSpPr/>
           <p:nvPr/>
         </p:nvSpPr>
         <p:spPr>
           <a:xfrm rot="5400000">
-            <a:off x="3451320" y="2481480"/>
-            <a:ext cx="1061280" cy="475560"/>
+            <a:off x="1213560" y="2715480"/>
+            <a:ext cx="1060920" cy="475200"/>
           </a:xfrm>
           <a:prstGeom prst="bentConnector3">
             <a:avLst>
@@ -2993,14 +3331,14 @@
       </p:sp>
       <p:sp>
         <p:nvSpPr>
-          <p:cNvPr id="67" name="Rounded Rectangle 42"/>
-          <p:cNvSpPr/>
-          <p:nvPr/>
-        </p:nvSpPr>
-        <p:spPr>
-          <a:xfrm>
-            <a:off x="3395880" y="3250800"/>
-            <a:ext cx="694440" cy="1003680"/>
+          <p:cNvPr id="68" name="Rounded Rectangle 42"/>
+          <p:cNvSpPr/>
+          <p:nvPr/>
+        </p:nvSpPr>
+        <p:spPr>
+          <a:xfrm>
+            <a:off x="1157760" y="3484800"/>
+            <a:ext cx="694080" cy="1003320"/>
           </a:xfrm>
           <a:prstGeom prst="roundRect">
             <a:avLst>
@@ -3038,14 +3376,14 @@
       </p:sp>
       <p:sp>
         <p:nvSpPr>
-          <p:cNvPr id="68" name="Rounded Rectangle 44"/>
-          <p:cNvSpPr/>
-          <p:nvPr/>
-        </p:nvSpPr>
-        <p:spPr>
-          <a:xfrm>
-            <a:off x="4318200" y="3252960"/>
-            <a:ext cx="694440" cy="1003680"/>
+          <p:cNvPr id="69" name="Rounded Rectangle 44"/>
+          <p:cNvSpPr/>
+          <p:nvPr/>
+        </p:nvSpPr>
+        <p:spPr>
+          <a:xfrm>
+            <a:off x="2080080" y="3486960"/>
+            <a:ext cx="694080" cy="1003320"/>
           </a:xfrm>
           <a:prstGeom prst="roundRect">
             <a:avLst>
@@ -3083,14 +3421,14 @@
       </p:sp>
       <p:sp>
         <p:nvSpPr>
-          <p:cNvPr id="69" name="Rounded Rectangle 45"/>
-          <p:cNvSpPr/>
-          <p:nvPr/>
-        </p:nvSpPr>
-        <p:spPr>
-          <a:xfrm>
-            <a:off x="7175160" y="3252960"/>
-            <a:ext cx="694440" cy="1003680"/>
+          <p:cNvPr id="70" name="Rounded Rectangle 45"/>
+          <p:cNvSpPr/>
+          <p:nvPr/>
+        </p:nvSpPr>
+        <p:spPr>
+          <a:xfrm>
+            <a:off x="4937040" y="3486960"/>
+            <a:ext cx="694080" cy="1003320"/>
           </a:xfrm>
           <a:prstGeom prst="roundRect">
             <a:avLst>
@@ -3128,14 +3466,14 @@
       </p:sp>
       <p:sp>
         <p:nvSpPr>
-          <p:cNvPr id="70" name="TextBox 46"/>
-          <p:cNvSpPr/>
-          <p:nvPr/>
-        </p:nvSpPr>
-        <p:spPr>
-          <a:xfrm>
-            <a:off x="4259880" y="4343040"/>
-            <a:ext cx="813600" cy="638640"/>
+          <p:cNvPr id="71" name="TextBox 46"/>
+          <p:cNvSpPr/>
+          <p:nvPr/>
+        </p:nvSpPr>
+        <p:spPr>
+          <a:xfrm>
+            <a:off x="2021760" y="4577040"/>
+            <a:ext cx="813240" cy="638280"/>
           </a:xfrm>
           <a:prstGeom prst="rect">
             <a:avLst/>
@@ -3152,7 +3490,7 @@
           <a:fontRef idx="minor"/>
         </p:style>
         <p:txBody>
-          <a:bodyPr lIns="90000" rIns="90000" tIns="45000" bIns="45000">
+          <a:bodyPr lIns="90000" rIns="90000" tIns="45000" bIns="45000" anchor="t">
             <a:spAutoFit/>
           </a:bodyPr>
           <a:p>
@@ -3209,14 +3547,14 @@
       </p:sp>
       <p:sp>
         <p:nvSpPr>
-          <p:cNvPr id="71" name="TextBox 74"/>
-          <p:cNvSpPr/>
-          <p:nvPr/>
-        </p:nvSpPr>
-        <p:spPr>
-          <a:xfrm>
-            <a:off x="5103000" y="5778000"/>
-            <a:ext cx="1095120" cy="364320"/>
+          <p:cNvPr id="72" name="TextBox 74"/>
+          <p:cNvSpPr/>
+          <p:nvPr/>
+        </p:nvSpPr>
+        <p:spPr>
+          <a:xfrm>
+            <a:off x="2864880" y="6012000"/>
+            <a:ext cx="1094760" cy="363960"/>
           </a:xfrm>
           <a:prstGeom prst="rect">
             <a:avLst/>
@@ -3233,7 +3571,7 @@
           <a:fontRef idx="minor"/>
         </p:style>
         <p:txBody>
-          <a:bodyPr wrap="none" lIns="90000" rIns="90000" tIns="45000" bIns="45000">
+          <a:bodyPr wrap="none" lIns="90000" rIns="90000" tIns="45000" bIns="45000" anchor="t">
             <a:spAutoFit/>
           </a:bodyPr>
           <a:p>
@@ -3260,14 +3598,14 @@
       </p:sp>
       <p:sp>
         <p:nvSpPr>
-          <p:cNvPr id="72" name="Rectangle 75"/>
-          <p:cNvSpPr/>
-          <p:nvPr/>
-        </p:nvSpPr>
-        <p:spPr>
-          <a:xfrm>
-            <a:off x="3219840" y="451800"/>
-            <a:ext cx="4790160" cy="5240160"/>
+          <p:cNvPr id="73" name="Rectangle 75"/>
+          <p:cNvSpPr/>
+          <p:nvPr/>
+        </p:nvSpPr>
+        <p:spPr>
+          <a:xfrm>
+            <a:off x="981720" y="685800"/>
+            <a:ext cx="4789800" cy="5239800"/>
           </a:xfrm>
           <a:prstGeom prst="rect">
             <a:avLst/>
@@ -3296,14 +3634,14 @@
       </p:sp>
       <p:sp>
         <p:nvSpPr>
-          <p:cNvPr id="73" name="Straight Connector 78"/>
-          <p:cNvSpPr/>
-          <p:nvPr/>
-        </p:nvSpPr>
-        <p:spPr>
-          <a:xfrm>
-            <a:off x="8550000" y="1541160"/>
-            <a:ext cx="887760" cy="0"/>
+          <p:cNvPr id="74" name="Straight Connector 78"/>
+          <p:cNvSpPr/>
+          <p:nvPr/>
+        </p:nvSpPr>
+        <p:spPr>
+          <a:xfrm>
+            <a:off x="6311880" y="1775160"/>
+            <a:ext cx="887760" cy="360"/>
           </a:xfrm>
           <a:prstGeom prst="line">
             <a:avLst/>
@@ -3329,14 +3667,14 @@
       </p:sp>
       <p:sp>
         <p:nvSpPr>
-          <p:cNvPr id="74" name="Rounded Rectangle 43"/>
-          <p:cNvSpPr/>
-          <p:nvPr/>
-        </p:nvSpPr>
-        <p:spPr>
-          <a:xfrm>
-            <a:off x="5300640" y="3250080"/>
-            <a:ext cx="694440" cy="1003680"/>
+          <p:cNvPr id="75" name="Rounded Rectangle 43"/>
+          <p:cNvSpPr/>
+          <p:nvPr/>
+        </p:nvSpPr>
+        <p:spPr>
+          <a:xfrm>
+            <a:off x="3062520" y="3484080"/>
+            <a:ext cx="694080" cy="1003320"/>
           </a:xfrm>
           <a:prstGeom prst="roundRect">
             <a:avLst>
@@ -3367,14 +3705,14 @@
       </p:sp>
       <p:sp>
         <p:nvSpPr>
-          <p:cNvPr id="75" name="Rounded Rectangle 47"/>
-          <p:cNvSpPr/>
-          <p:nvPr/>
-        </p:nvSpPr>
-        <p:spPr>
-          <a:xfrm>
-            <a:off x="6222960" y="3252240"/>
-            <a:ext cx="694440" cy="1003680"/>
+          <p:cNvPr id="76" name="Rounded Rectangle 47"/>
+          <p:cNvSpPr/>
+          <p:nvPr/>
+        </p:nvSpPr>
+        <p:spPr>
+          <a:xfrm>
+            <a:off x="3984840" y="3486240"/>
+            <a:ext cx="694080" cy="1003320"/>
           </a:xfrm>
           <a:prstGeom prst="roundRect">
             <a:avLst>
@@ -3405,14 +3743,14 @@
       </p:sp>
       <p:sp>
         <p:nvSpPr>
-          <p:cNvPr id="76" name="TextBox 49"/>
-          <p:cNvSpPr/>
-          <p:nvPr/>
-        </p:nvSpPr>
-        <p:spPr>
-          <a:xfrm>
-            <a:off x="6164640" y="4342320"/>
-            <a:ext cx="813600" cy="638640"/>
+          <p:cNvPr id="77" name="TextBox 49"/>
+          <p:cNvSpPr/>
+          <p:nvPr/>
+        </p:nvSpPr>
+        <p:spPr>
+          <a:xfrm>
+            <a:off x="3926520" y="4576320"/>
+            <a:ext cx="813240" cy="638280"/>
           </a:xfrm>
           <a:prstGeom prst="rect">
             <a:avLst/>
@@ -3429,7 +3767,7 @@
           <a:fontRef idx="minor"/>
         </p:style>
         <p:txBody>
-          <a:bodyPr lIns="90000" rIns="90000" tIns="45000" bIns="45000">
+          <a:bodyPr lIns="90000" rIns="90000" tIns="45000" bIns="45000" anchor="t">
             <a:spAutoFit/>
           </a:bodyPr>
           <a:p>
@@ -3486,14 +3824,14 @@
       </p:sp>
       <p:sp>
         <p:nvSpPr>
-          <p:cNvPr id="77" name="TextBox 50"/>
-          <p:cNvSpPr/>
-          <p:nvPr/>
-        </p:nvSpPr>
-        <p:spPr>
-          <a:xfrm>
-            <a:off x="5250240" y="4342320"/>
-            <a:ext cx="813600" cy="638640"/>
+          <p:cNvPr id="78" name="TextBox 50"/>
+          <p:cNvSpPr/>
+          <p:nvPr/>
+        </p:nvSpPr>
+        <p:spPr>
+          <a:xfrm>
+            <a:off x="3012120" y="4576320"/>
+            <a:ext cx="813240" cy="638280"/>
           </a:xfrm>
           <a:prstGeom prst="rect">
             <a:avLst/>
@@ -3510,7 +3848,7 @@
           <a:fontRef idx="minor"/>
         </p:style>
         <p:txBody>
-          <a:bodyPr lIns="90000" rIns="90000" tIns="45000" bIns="45000">
+          <a:bodyPr lIns="90000" rIns="90000" tIns="45000" bIns="45000" anchor="t">
             <a:spAutoFit/>
           </a:bodyPr>
           <a:p>
@@ -3567,14 +3905,14 @@
       </p:sp>
       <p:sp>
         <p:nvSpPr>
-          <p:cNvPr id="78" name="TextBox 52"/>
-          <p:cNvSpPr/>
-          <p:nvPr/>
-        </p:nvSpPr>
-        <p:spPr>
-          <a:xfrm>
-            <a:off x="8750160" y="3290040"/>
-            <a:ext cx="400320" cy="364320"/>
+          <p:cNvPr id="79" name="TextBox 52"/>
+          <p:cNvSpPr/>
+          <p:nvPr/>
+        </p:nvSpPr>
+        <p:spPr>
+          <a:xfrm>
+            <a:off x="6512040" y="3524040"/>
+            <a:ext cx="399960" cy="363960"/>
           </a:xfrm>
           <a:prstGeom prst="rect">
             <a:avLst/>
@@ -3591,7 +3929,7 @@
           <a:fontRef idx="minor"/>
         </p:style>
         <p:txBody>
-          <a:bodyPr wrap="none" lIns="90000" rIns="90000" tIns="45000" bIns="45000">
+          <a:bodyPr wrap="none" lIns="90000" rIns="90000" tIns="45000" bIns="45000" anchor="t">
             <a:spAutoFit/>
           </a:bodyPr>
           <a:p>
@@ -3628,14 +3966,14 @@
       </p:sp>
       <p:sp>
         <p:nvSpPr>
-          <p:cNvPr id="79" name="TextBox 53"/>
-          <p:cNvSpPr/>
-          <p:nvPr/>
-        </p:nvSpPr>
-        <p:spPr>
-          <a:xfrm>
-            <a:off x="9485280" y="3275280"/>
-            <a:ext cx="1211040" cy="364320"/>
+          <p:cNvPr id="80" name="TextBox 53"/>
+          <p:cNvSpPr/>
+          <p:nvPr/>
+        </p:nvSpPr>
+        <p:spPr>
+          <a:xfrm>
+            <a:off x="7247160" y="3509280"/>
+            <a:ext cx="1211040" cy="363960"/>
           </a:xfrm>
           <a:prstGeom prst="rect">
             <a:avLst/>
@@ -3652,7 +3990,7 @@
           <a:fontRef idx="minor"/>
         </p:style>
         <p:txBody>
-          <a:bodyPr wrap="none" lIns="90000" rIns="90000" tIns="45000" bIns="45000">
+          <a:bodyPr wrap="none" lIns="90000" rIns="90000" tIns="45000" bIns="45000" anchor="t">
             <a:spAutoFit/>
           </a:bodyPr>
           <a:p>
@@ -3699,14 +4037,14 @@
       </p:sp>
       <p:sp>
         <p:nvSpPr>
-          <p:cNvPr id="80" name="TextBox 48"/>
-          <p:cNvSpPr/>
-          <p:nvPr/>
-        </p:nvSpPr>
-        <p:spPr>
-          <a:xfrm>
-            <a:off x="5583240" y="5142240"/>
-            <a:ext cx="1278720" cy="364320"/>
+          <p:cNvPr id="81" name="TextBox 48"/>
+          <p:cNvSpPr/>
+          <p:nvPr/>
+        </p:nvSpPr>
+        <p:spPr>
+          <a:xfrm>
+            <a:off x="3345120" y="5376240"/>
+            <a:ext cx="1278360" cy="363960"/>
           </a:xfrm>
           <a:prstGeom prst="rect">
             <a:avLst/>
@@ -3723,7 +4061,7 @@
           <a:fontRef idx="minor"/>
         </p:style>
         <p:txBody>
-          <a:bodyPr lIns="90000" rIns="90000" tIns="45000" bIns="45000">
+          <a:bodyPr lIns="90000" rIns="90000" tIns="45000" bIns="45000" anchor="t">
             <a:spAutoFit/>
           </a:bodyPr>
           <a:p>
@@ -3750,14 +4088,14 @@
       </p:sp>
       <p:sp>
         <p:nvSpPr>
-          <p:cNvPr id="81" name="Straight Connector 51"/>
-          <p:cNvSpPr/>
-          <p:nvPr/>
-        </p:nvSpPr>
-        <p:spPr>
-          <a:xfrm>
-            <a:off x="5174280" y="4368960"/>
-            <a:ext cx="0" cy="933480"/>
+          <p:cNvPr id="82" name="Straight Connector 51"/>
+          <p:cNvSpPr/>
+          <p:nvPr/>
+        </p:nvSpPr>
+        <p:spPr>
+          <a:xfrm>
+            <a:off x="2936160" y="4602960"/>
+            <a:ext cx="360" cy="933480"/>
           </a:xfrm>
           <a:prstGeom prst="line">
             <a:avLst/>
@@ -3783,14 +4121,14 @@
       </p:sp>
       <p:sp>
         <p:nvSpPr>
-          <p:cNvPr id="82" name="Straight Connector 54"/>
-          <p:cNvSpPr/>
-          <p:nvPr/>
-        </p:nvSpPr>
-        <p:spPr>
-          <a:xfrm>
-            <a:off x="7015680" y="4368960"/>
-            <a:ext cx="0" cy="933480"/>
+          <p:cNvPr id="83" name="Straight Connector 54"/>
+          <p:cNvSpPr/>
+          <p:nvPr/>
+        </p:nvSpPr>
+        <p:spPr>
+          <a:xfrm>
+            <a:off x="4777560" y="4602960"/>
+            <a:ext cx="360" cy="933480"/>
           </a:xfrm>
           <a:prstGeom prst="line">
             <a:avLst/>
@@ -3816,14 +4154,14 @@
       </p:sp>
       <p:sp>
         <p:nvSpPr>
-          <p:cNvPr id="83" name="Straight Arrow Connector 5"/>
-          <p:cNvSpPr/>
-          <p:nvPr/>
-        </p:nvSpPr>
-        <p:spPr>
-          <a:xfrm>
-            <a:off x="5174640" y="5072760"/>
-            <a:ext cx="1840680" cy="360"/>
+          <p:cNvPr id="84" name="Straight Arrow Connector 5"/>
+          <p:cNvSpPr/>
+          <p:nvPr/>
+        </p:nvSpPr>
+        <p:spPr>
+          <a:xfrm>
+            <a:off x="2936520" y="5306760"/>
+            <a:ext cx="1840320" cy="360"/>
           </a:xfrm>
           <a:custGeom>
             <a:avLst/>

--- a/dfr_metadata/book_chapter/fig/fat3.pptx
+++ b/dfr_metadata/book_chapter/fig/fat3.pptx
@@ -63,8 +63,8 @@
         </p:nvSpPr>
         <p:spPr>
           <a:xfrm>
-            <a:off x="1142640" y="1122480"/>
-            <a:ext cx="6857280" cy="2386440"/>
+            <a:off x="457200" y="273600"/>
+            <a:ext cx="8229240" cy="1144800"/>
           </a:xfrm>
           <a:prstGeom prst="rect">
             <a:avLst/>
@@ -98,8 +98,8 @@
         </p:nvSpPr>
         <p:spPr>
           <a:xfrm>
-            <a:off x="456840" y="1604520"/>
-            <a:ext cx="8228880" cy="1896840"/>
+            <a:off x="457200" y="1604520"/>
+            <a:ext cx="8229240" cy="1896840"/>
           </a:xfrm>
           <a:prstGeom prst="rect">
             <a:avLst/>
@@ -132,8 +132,8 @@
         </p:nvSpPr>
         <p:spPr>
           <a:xfrm>
-            <a:off x="456840" y="3682080"/>
-            <a:ext cx="8228880" cy="1896840"/>
+            <a:off x="457200" y="3682080"/>
+            <a:ext cx="8229240" cy="1896840"/>
           </a:xfrm>
           <a:prstGeom prst="rect">
             <a:avLst/>
@@ -188,8 +188,8 @@
         </p:nvSpPr>
         <p:spPr>
           <a:xfrm>
-            <a:off x="1142640" y="1122480"/>
-            <a:ext cx="6857280" cy="2386440"/>
+            <a:off x="457200" y="273600"/>
+            <a:ext cx="8229240" cy="1144800"/>
           </a:xfrm>
           <a:prstGeom prst="rect">
             <a:avLst/>
@@ -223,8 +223,8 @@
         </p:nvSpPr>
         <p:spPr>
           <a:xfrm>
-            <a:off x="456840" y="1604520"/>
-            <a:ext cx="4015440" cy="1896840"/>
+            <a:off x="457200" y="1604520"/>
+            <a:ext cx="4015800" cy="1896840"/>
           </a:xfrm>
           <a:prstGeom prst="rect">
             <a:avLst/>
@@ -257,8 +257,8 @@
         </p:nvSpPr>
         <p:spPr>
           <a:xfrm>
-            <a:off x="4673520" y="1604520"/>
-            <a:ext cx="4015440" cy="1896840"/>
+            <a:off x="4674240" y="1604520"/>
+            <a:ext cx="4015800" cy="1896840"/>
           </a:xfrm>
           <a:prstGeom prst="rect">
             <a:avLst/>
@@ -291,8 +291,8 @@
         </p:nvSpPr>
         <p:spPr>
           <a:xfrm>
-            <a:off x="456840" y="3682080"/>
-            <a:ext cx="4015440" cy="1896840"/>
+            <a:off x="457200" y="3682080"/>
+            <a:ext cx="4015800" cy="1896840"/>
           </a:xfrm>
           <a:prstGeom prst="rect">
             <a:avLst/>
@@ -325,8 +325,8 @@
         </p:nvSpPr>
         <p:spPr>
           <a:xfrm>
-            <a:off x="4673520" y="3682080"/>
-            <a:ext cx="4015440" cy="1896840"/>
+            <a:off x="4674240" y="3682080"/>
+            <a:ext cx="4015800" cy="1896840"/>
           </a:xfrm>
           <a:prstGeom prst="rect">
             <a:avLst/>
@@ -381,8 +381,8 @@
         </p:nvSpPr>
         <p:spPr>
           <a:xfrm>
-            <a:off x="1142640" y="1122480"/>
-            <a:ext cx="6857280" cy="2386440"/>
+            <a:off x="457200" y="273600"/>
+            <a:ext cx="8229240" cy="1144800"/>
           </a:xfrm>
           <a:prstGeom prst="rect">
             <a:avLst/>
@@ -416,7 +416,7 @@
         </p:nvSpPr>
         <p:spPr>
           <a:xfrm>
-            <a:off x="456840" y="1604520"/>
+            <a:off x="457200" y="1604520"/>
             <a:ext cx="2649600" cy="1896840"/>
           </a:xfrm>
           <a:prstGeom prst="rect">
@@ -450,7 +450,7 @@
         </p:nvSpPr>
         <p:spPr>
           <a:xfrm>
-            <a:off x="3239280" y="1604520"/>
+            <a:off x="3239640" y="1604520"/>
             <a:ext cx="2649600" cy="1896840"/>
           </a:xfrm>
           <a:prstGeom prst="rect">
@@ -484,7 +484,7 @@
         </p:nvSpPr>
         <p:spPr>
           <a:xfrm>
-            <a:off x="6021720" y="1604520"/>
+            <a:off x="6022080" y="1604520"/>
             <a:ext cx="2649600" cy="1896840"/>
           </a:xfrm>
           <a:prstGeom prst="rect">
@@ -518,7 +518,7 @@
         </p:nvSpPr>
         <p:spPr>
           <a:xfrm>
-            <a:off x="456840" y="3682080"/>
+            <a:off x="457200" y="3682080"/>
             <a:ext cx="2649600" cy="1896840"/>
           </a:xfrm>
           <a:prstGeom prst="rect">
@@ -552,7 +552,7 @@
         </p:nvSpPr>
         <p:spPr>
           <a:xfrm>
-            <a:off x="3239280" y="3682080"/>
+            <a:off x="3239640" y="3682080"/>
             <a:ext cx="2649600" cy="1896840"/>
           </a:xfrm>
           <a:prstGeom prst="rect">
@@ -586,7 +586,7 @@
         </p:nvSpPr>
         <p:spPr>
           <a:xfrm>
-            <a:off x="6021720" y="3682080"/>
+            <a:off x="6022080" y="3682080"/>
             <a:ext cx="2649600" cy="1896840"/>
           </a:xfrm>
           <a:prstGeom prst="rect">
@@ -642,8 +642,8 @@
         </p:nvSpPr>
         <p:spPr>
           <a:xfrm>
-            <a:off x="1142640" y="1122480"/>
-            <a:ext cx="6857280" cy="2386440"/>
+            <a:off x="457200" y="273600"/>
+            <a:ext cx="8229240" cy="1144800"/>
           </a:xfrm>
           <a:prstGeom prst="rect">
             <a:avLst/>
@@ -677,8 +677,8 @@
         </p:nvSpPr>
         <p:spPr>
           <a:xfrm>
-            <a:off x="456840" y="1604520"/>
-            <a:ext cx="8228880" cy="3976920"/>
+            <a:off x="457200" y="1604520"/>
+            <a:ext cx="8229240" cy="3977280"/>
           </a:xfrm>
           <a:prstGeom prst="rect">
             <a:avLst/>
@@ -734,8 +734,8 @@
         </p:nvSpPr>
         <p:spPr>
           <a:xfrm>
-            <a:off x="1142640" y="1122480"/>
-            <a:ext cx="6857280" cy="2386440"/>
+            <a:off x="457200" y="273600"/>
+            <a:ext cx="8229240" cy="1144800"/>
           </a:xfrm>
           <a:prstGeom prst="rect">
             <a:avLst/>
@@ -769,8 +769,8 @@
         </p:nvSpPr>
         <p:spPr>
           <a:xfrm>
-            <a:off x="456840" y="1604520"/>
-            <a:ext cx="8228880" cy="3976920"/>
+            <a:off x="457200" y="1604520"/>
+            <a:ext cx="8229240" cy="3977280"/>
           </a:xfrm>
           <a:prstGeom prst="rect">
             <a:avLst/>
@@ -825,8 +825,8 @@
         </p:nvSpPr>
         <p:spPr>
           <a:xfrm>
-            <a:off x="1142640" y="1122480"/>
-            <a:ext cx="6857280" cy="2386440"/>
+            <a:off x="457200" y="273600"/>
+            <a:ext cx="8229240" cy="1144800"/>
           </a:xfrm>
           <a:prstGeom prst="rect">
             <a:avLst/>
@@ -860,8 +860,8 @@
         </p:nvSpPr>
         <p:spPr>
           <a:xfrm>
-            <a:off x="456840" y="1604520"/>
-            <a:ext cx="4015440" cy="3976920"/>
+            <a:off x="457200" y="1604520"/>
+            <a:ext cx="4015800" cy="3977280"/>
           </a:xfrm>
           <a:prstGeom prst="rect">
             <a:avLst/>
@@ -894,8 +894,8 @@
         </p:nvSpPr>
         <p:spPr>
           <a:xfrm>
-            <a:off x="4673520" y="1604520"/>
-            <a:ext cx="4015440" cy="3976920"/>
+            <a:off x="4674240" y="1604520"/>
+            <a:ext cx="4015800" cy="3977280"/>
           </a:xfrm>
           <a:prstGeom prst="rect">
             <a:avLst/>
@@ -950,8 +950,8 @@
         </p:nvSpPr>
         <p:spPr>
           <a:xfrm>
-            <a:off x="1142640" y="1122480"/>
-            <a:ext cx="6857280" cy="2386440"/>
+            <a:off x="457200" y="273600"/>
+            <a:ext cx="8229240" cy="1144800"/>
           </a:xfrm>
           <a:prstGeom prst="rect">
             <a:avLst/>
@@ -1007,8 +1007,8 @@
         </p:nvSpPr>
         <p:spPr>
           <a:xfrm>
-            <a:off x="1142640" y="1122480"/>
-            <a:ext cx="6857280" cy="11063520"/>
+            <a:off x="457200" y="273600"/>
+            <a:ext cx="8229240" cy="5307840"/>
           </a:xfrm>
           <a:prstGeom prst="rect">
             <a:avLst/>
@@ -1064,8 +1064,8 @@
         </p:nvSpPr>
         <p:spPr>
           <a:xfrm>
-            <a:off x="1142640" y="1122480"/>
-            <a:ext cx="6857280" cy="2386440"/>
+            <a:off x="457200" y="273600"/>
+            <a:ext cx="8229240" cy="1144800"/>
           </a:xfrm>
           <a:prstGeom prst="rect">
             <a:avLst/>
@@ -1099,8 +1099,8 @@
         </p:nvSpPr>
         <p:spPr>
           <a:xfrm>
-            <a:off x="456840" y="1604520"/>
-            <a:ext cx="4015440" cy="1896840"/>
+            <a:off x="457200" y="1604520"/>
+            <a:ext cx="4015800" cy="1896840"/>
           </a:xfrm>
           <a:prstGeom prst="rect">
             <a:avLst/>
@@ -1133,8 +1133,8 @@
         </p:nvSpPr>
         <p:spPr>
           <a:xfrm>
-            <a:off x="4673520" y="1604520"/>
-            <a:ext cx="4015440" cy="3976920"/>
+            <a:off x="4674240" y="1604520"/>
+            <a:ext cx="4015800" cy="3977280"/>
           </a:xfrm>
           <a:prstGeom prst="rect">
             <a:avLst/>
@@ -1167,8 +1167,8 @@
         </p:nvSpPr>
         <p:spPr>
           <a:xfrm>
-            <a:off x="456840" y="3682080"/>
-            <a:ext cx="4015440" cy="1896840"/>
+            <a:off x="457200" y="3682080"/>
+            <a:ext cx="4015800" cy="1896840"/>
           </a:xfrm>
           <a:prstGeom prst="rect">
             <a:avLst/>
@@ -1223,8 +1223,8 @@
         </p:nvSpPr>
         <p:spPr>
           <a:xfrm>
-            <a:off x="1142640" y="1122480"/>
-            <a:ext cx="6857280" cy="2386440"/>
+            <a:off x="457200" y="273600"/>
+            <a:ext cx="8229240" cy="1144800"/>
           </a:xfrm>
           <a:prstGeom prst="rect">
             <a:avLst/>
@@ -1258,8 +1258,8 @@
         </p:nvSpPr>
         <p:spPr>
           <a:xfrm>
-            <a:off x="456840" y="1604520"/>
-            <a:ext cx="4015440" cy="3976920"/>
+            <a:off x="457200" y="1604520"/>
+            <a:ext cx="4015800" cy="3977280"/>
           </a:xfrm>
           <a:prstGeom prst="rect">
             <a:avLst/>
@@ -1292,8 +1292,8 @@
         </p:nvSpPr>
         <p:spPr>
           <a:xfrm>
-            <a:off x="4673520" y="1604520"/>
-            <a:ext cx="4015440" cy="1896840"/>
+            <a:off x="4674240" y="1604520"/>
+            <a:ext cx="4015800" cy="1896840"/>
           </a:xfrm>
           <a:prstGeom prst="rect">
             <a:avLst/>
@@ -1326,8 +1326,8 @@
         </p:nvSpPr>
         <p:spPr>
           <a:xfrm>
-            <a:off x="4673520" y="3682080"/>
-            <a:ext cx="4015440" cy="1896840"/>
+            <a:off x="4674240" y="3682080"/>
+            <a:ext cx="4015800" cy="1896840"/>
           </a:xfrm>
           <a:prstGeom prst="rect">
             <a:avLst/>
@@ -1382,8 +1382,8 @@
         </p:nvSpPr>
         <p:spPr>
           <a:xfrm>
-            <a:off x="1142640" y="1122480"/>
-            <a:ext cx="6857280" cy="2386440"/>
+            <a:off x="457200" y="273600"/>
+            <a:ext cx="8229240" cy="1144800"/>
           </a:xfrm>
           <a:prstGeom prst="rect">
             <a:avLst/>
@@ -1417,8 +1417,8 @@
         </p:nvSpPr>
         <p:spPr>
           <a:xfrm>
-            <a:off x="456840" y="1604520"/>
-            <a:ext cx="4015440" cy="1896840"/>
+            <a:off x="457200" y="1604520"/>
+            <a:ext cx="4015800" cy="1896840"/>
           </a:xfrm>
           <a:prstGeom prst="rect">
             <a:avLst/>
@@ -1451,8 +1451,8 @@
         </p:nvSpPr>
         <p:spPr>
           <a:xfrm>
-            <a:off x="4673520" y="1604520"/>
-            <a:ext cx="4015440" cy="1896840"/>
+            <a:off x="4674240" y="1604520"/>
+            <a:ext cx="4015800" cy="1896840"/>
           </a:xfrm>
           <a:prstGeom prst="rect">
             <a:avLst/>
@@ -1485,8 +1485,8 @@
         </p:nvSpPr>
         <p:spPr>
           <a:xfrm>
-            <a:off x="456840" y="3682080"/>
-            <a:ext cx="8228880" cy="1896840"/>
+            <a:off x="457200" y="3682080"/>
+            <a:ext cx="8229240" cy="1896840"/>
           </a:xfrm>
           <a:prstGeom prst="rect">
             <a:avLst/>
@@ -1548,8 +1548,8 @@
         </p:nvSpPr>
         <p:spPr>
           <a:xfrm>
-            <a:off x="1142640" y="1122480"/>
-            <a:ext cx="6857280" cy="2386440"/>
+            <a:off x="457200" y="273600"/>
+            <a:ext cx="8229240" cy="1144800"/>
           </a:xfrm>
           <a:prstGeom prst="rect">
             <a:avLst/>
@@ -1564,13 +1564,14 @@
             <a:noAutofit/>
           </a:bodyPr>
           <a:p>
-            <a:r>
-              <a:rPr b="0" lang="en-US" sz="1800" spc="-1" strike="noStrike">
+            <a:pPr algn="ctr"/>
+            <a:r>
+              <a:rPr b="0" lang="en-US" sz="4400" spc="-1" strike="noStrike">
                 <a:latin typeface="Arial"/>
               </a:rPr>
               <a:t>Click to edit the title text format</a:t>
             </a:r>
-            <a:endParaRPr b="0" lang="en-US" sz="1800" spc="-1" strike="noStrike">
+            <a:endParaRPr b="0" lang="en-US" sz="4400" spc="-1" strike="noStrike">
               <a:latin typeface="Arial"/>
             </a:endParaRPr>
           </a:p>
@@ -1588,8 +1589,8 @@
         </p:nvSpPr>
         <p:spPr>
           <a:xfrm>
-            <a:off x="456840" y="1604520"/>
-            <a:ext cx="8228880" cy="3976920"/>
+            <a:off x="457200" y="1604520"/>
+            <a:ext cx="8229240" cy="3977280"/>
           </a:xfrm>
           <a:prstGeom prst="rect">
             <a:avLst/>
@@ -1616,12 +1617,12 @@
               <a:buChar char=""/>
             </a:pPr>
             <a:r>
-              <a:rPr b="0" lang="en-US" sz="1800" spc="-1" strike="noStrike">
+              <a:rPr b="0" lang="en-US" sz="3200" spc="-1" strike="noStrike">
                 <a:latin typeface="Arial"/>
               </a:rPr>
               <a:t>Click to edit the outline text format</a:t>
             </a:r>
-            <a:endParaRPr b="0" lang="en-US" sz="1800" spc="-1" strike="noStrike">
+            <a:endParaRPr b="0" lang="en-US" sz="3200" spc="-1" strike="noStrike">
               <a:latin typeface="Arial"/>
             </a:endParaRPr>
           </a:p>
@@ -1638,12 +1639,12 @@
               <a:buChar char=""/>
             </a:pPr>
             <a:r>
-              <a:rPr b="0" lang="en-US" sz="1800" spc="-1" strike="noStrike">
+              <a:rPr b="0" lang="en-US" sz="2800" spc="-1" strike="noStrike">
                 <a:latin typeface="Arial"/>
               </a:rPr>
               <a:t>Second Outline Level</a:t>
             </a:r>
-            <a:endParaRPr b="0" lang="en-US" sz="1800" spc="-1" strike="noStrike">
+            <a:endParaRPr b="0" lang="en-US" sz="2800" spc="-1" strike="noStrike">
               <a:latin typeface="Arial"/>
             </a:endParaRPr>
           </a:p>
@@ -1660,12 +1661,12 @@
               <a:buChar char=""/>
             </a:pPr>
             <a:r>
-              <a:rPr b="0" lang="en-US" sz="1800" spc="-1" strike="noStrike">
+              <a:rPr b="0" lang="en-US" sz="2400" spc="-1" strike="noStrike">
                 <a:latin typeface="Arial"/>
               </a:rPr>
               <a:t>Third Outline Level</a:t>
             </a:r>
-            <a:endParaRPr b="0" lang="en-US" sz="1800" spc="-1" strike="noStrike">
+            <a:endParaRPr b="0" lang="en-US" sz="2400" spc="-1" strike="noStrike">
               <a:latin typeface="Arial"/>
             </a:endParaRPr>
           </a:p>
@@ -1682,12 +1683,12 @@
               <a:buChar char=""/>
             </a:pPr>
             <a:r>
-              <a:rPr b="0" lang="en-US" sz="1800" spc="-1" strike="noStrike">
+              <a:rPr b="0" lang="en-US" sz="2000" spc="-1" strike="noStrike">
                 <a:latin typeface="Arial"/>
               </a:rPr>
               <a:t>Fourth Outline Level</a:t>
             </a:r>
-            <a:endParaRPr b="0" lang="en-US" sz="1800" spc="-1" strike="noStrike">
+            <a:endParaRPr b="0" lang="en-US" sz="2000" spc="-1" strike="noStrike">
               <a:latin typeface="Arial"/>
             </a:endParaRPr>
           </a:p>
@@ -1704,12 +1705,12 @@
               <a:buChar char=""/>
             </a:pPr>
             <a:r>
-              <a:rPr b="0" lang="en-US" sz="1800" spc="-1" strike="noStrike">
+              <a:rPr b="0" lang="en-US" sz="2000" spc="-1" strike="noStrike">
                 <a:latin typeface="Arial"/>
               </a:rPr>
               <a:t>Fifth Outline Level</a:t>
             </a:r>
-            <a:endParaRPr b="0" lang="en-US" sz="1800" spc="-1" strike="noStrike">
+            <a:endParaRPr b="0" lang="en-US" sz="2000" spc="-1" strike="noStrike">
               <a:latin typeface="Arial"/>
             </a:endParaRPr>
           </a:p>
@@ -1726,12 +1727,12 @@
               <a:buChar char=""/>
             </a:pPr>
             <a:r>
-              <a:rPr b="0" lang="en-US" sz="1800" spc="-1" strike="noStrike">
+              <a:rPr b="0" lang="en-US" sz="2000" spc="-1" strike="noStrike">
                 <a:latin typeface="Arial"/>
               </a:rPr>
               <a:t>Sixth Outline Level</a:t>
             </a:r>
-            <a:endParaRPr b="0" lang="en-US" sz="1800" spc="-1" strike="noStrike">
+            <a:endParaRPr b="0" lang="en-US" sz="2000" spc="-1" strike="noStrike">
               <a:latin typeface="Arial"/>
             </a:endParaRPr>
           </a:p>
@@ -1748,12 +1749,12 @@
               <a:buChar char=""/>
             </a:pPr>
             <a:r>
-              <a:rPr b="0" lang="en-US" sz="1800" spc="-1" strike="noStrike">
+              <a:rPr b="0" lang="en-US" sz="2000" spc="-1" strike="noStrike">
                 <a:latin typeface="Arial"/>
               </a:rPr>
               <a:t>Seventh Outline Level</a:t>
             </a:r>
-            <a:endParaRPr b="0" lang="en-US" sz="1800" spc="-1" strike="noStrike">
+            <a:endParaRPr b="0" lang="en-US" sz="2000" spc="-1" strike="noStrike">
               <a:latin typeface="Arial"/>
             </a:endParaRPr>
           </a:p>
@@ -1812,7 +1813,7 @@
         <p:spPr>
           <a:xfrm>
             <a:off x="1758240" y="1664280"/>
-            <a:ext cx="3584520" cy="771120"/>
+            <a:ext cx="3584160" cy="770760"/>
           </a:xfrm>
           <a:prstGeom prst="rect">
             <a:avLst/>
@@ -1848,7 +1849,7 @@
         <p:spPr>
           <a:xfrm>
             <a:off x="6325560" y="685800"/>
-            <a:ext cx="886680" cy="5239800"/>
+            <a:ext cx="886320" cy="5239440"/>
           </a:xfrm>
           <a:prstGeom prst="rect">
             <a:avLst/>
@@ -2147,8 +2148,8 @@
         </p:nvSpPr>
         <p:spPr>
           <a:xfrm rot="5400000">
-            <a:off x="6358680" y="2028600"/>
-            <a:ext cx="919800" cy="363960"/>
+            <a:off x="6358680" y="2028240"/>
+            <a:ext cx="919440" cy="363960"/>
           </a:xfrm>
           <a:prstGeom prst="rect">
             <a:avLst/>
@@ -2199,7 +2200,7 @@
         <p:spPr>
           <a:xfrm rot="5400000">
             <a:off x="6336720" y="5123880"/>
-            <a:ext cx="874800" cy="364320"/>
+            <a:ext cx="874800" cy="363960"/>
           </a:xfrm>
           <a:prstGeom prst="rect">
             <a:avLst/>
@@ -2250,7 +2251,7 @@
         <p:spPr>
           <a:xfrm>
             <a:off x="1042200" y="4577040"/>
-            <a:ext cx="813240" cy="638280"/>
+            <a:ext cx="812880" cy="638280"/>
           </a:xfrm>
           <a:prstGeom prst="rect">
             <a:avLst/>
@@ -2331,7 +2332,7 @@
         <p:spPr>
           <a:xfrm>
             <a:off x="4941720" y="4537800"/>
-            <a:ext cx="803520" cy="638280"/>
+            <a:ext cx="803160" cy="638280"/>
           </a:xfrm>
           <a:prstGeom prst="rect">
             <a:avLst/>
@@ -2478,7 +2479,7 @@
         <p:spPr>
           <a:xfrm>
             <a:off x="4066200" y="1720800"/>
-            <a:ext cx="1279800" cy="638280"/>
+            <a:ext cx="1279440" cy="638280"/>
           </a:xfrm>
           <a:prstGeom prst="rect">
             <a:avLst/>
@@ -2512,7 +2513,7 @@
                 <a:latin typeface="Calibri"/>
                 <a:ea typeface="DejaVu Sans"/>
               </a:rPr>
-              <a:t>starting</a:t>
+              <a:t>Starting</a:t>
             </a:r>
             <a:endParaRPr b="0" lang="en-US" sz="1800" spc="-1" strike="noStrike">
               <a:latin typeface="Arial"/>
@@ -2549,7 +2550,7 @@
         <p:spPr>
           <a:xfrm>
             <a:off x="3029760" y="1738080"/>
-            <a:ext cx="842040" cy="638280"/>
+            <a:ext cx="841680" cy="638280"/>
           </a:xfrm>
           <a:prstGeom prst="rect">
             <a:avLst/>
@@ -2583,7 +2584,7 @@
                 <a:latin typeface="Calibri"/>
                 <a:ea typeface="DejaVu Sans"/>
               </a:rPr>
-              <a:t>size of </a:t>
+              <a:t>Size of </a:t>
             </a:r>
             <a:endParaRPr b="0" lang="en-US" sz="1800" spc="-1" strike="noStrike">
               <a:latin typeface="Arial"/>
@@ -2620,7 +2621,7 @@
         <p:spPr>
           <a:xfrm>
             <a:off x="1824120" y="1764360"/>
-            <a:ext cx="979920" cy="363960"/>
+            <a:ext cx="979560" cy="363960"/>
           </a:xfrm>
           <a:prstGeom prst="rect">
             <a:avLst/>
@@ -2681,7 +2682,7 @@
         <p:spPr>
           <a:xfrm>
             <a:off x="6332040" y="6078960"/>
-            <a:ext cx="1018440" cy="363960"/>
+            <a:ext cx="1018080" cy="363960"/>
           </a:xfrm>
           <a:prstGeom prst="rect">
             <a:avLst/>
@@ -2732,7 +2733,7 @@
         <p:spPr>
           <a:xfrm>
             <a:off x="7259400" y="2635200"/>
-            <a:ext cx="1186200" cy="363960"/>
+            <a:ext cx="1185840" cy="363960"/>
           </a:xfrm>
           <a:prstGeom prst="rect">
             <a:avLst/>
@@ -2945,7 +2946,7 @@
         <p:spPr>
           <a:xfrm>
             <a:off x="7259400" y="4384800"/>
-            <a:ext cx="1186200" cy="363960"/>
+            <a:ext cx="1185840" cy="363960"/>
           </a:xfrm>
           <a:prstGeom prst="rect">
             <a:avLst/>
@@ -3016,7 +3017,7 @@
         <p:spPr>
           <a:xfrm>
             <a:off x="6512040" y="3067200"/>
-            <a:ext cx="527760" cy="363960"/>
+            <a:ext cx="527400" cy="363960"/>
           </a:xfrm>
           <a:prstGeom prst="rect">
             <a:avLst/>
@@ -3067,7 +3068,7 @@
         <p:spPr>
           <a:xfrm>
             <a:off x="6527160" y="2615040"/>
-            <a:ext cx="527760" cy="363960"/>
+            <a:ext cx="527400" cy="363960"/>
           </a:xfrm>
           <a:prstGeom prst="rect">
             <a:avLst/>
@@ -3118,7 +3119,7 @@
         <p:spPr>
           <a:xfrm>
             <a:off x="6449760" y="3956040"/>
-            <a:ext cx="451800" cy="363960"/>
+            <a:ext cx="451440" cy="363960"/>
           </a:xfrm>
           <a:prstGeom prst="rect">
             <a:avLst/>
@@ -3179,7 +3180,7 @@
         <p:spPr>
           <a:xfrm>
             <a:off x="6477480" y="4336920"/>
-            <a:ext cx="544680" cy="363960"/>
+            <a:ext cx="544320" cy="363960"/>
           </a:xfrm>
           <a:prstGeom prst="rect">
             <a:avLst/>
@@ -3230,7 +3231,7 @@
         <p:spPr>
           <a:xfrm>
             <a:off x="2081880" y="1225440"/>
-            <a:ext cx="2800800" cy="363960"/>
+            <a:ext cx="2800440" cy="363960"/>
           </a:xfrm>
           <a:prstGeom prst="rect">
             <a:avLst/>
@@ -3300,8 +3301,8 @@
         </p:nvSpPr>
         <p:spPr>
           <a:xfrm rot="5400000">
-            <a:off x="1213560" y="2715480"/>
-            <a:ext cx="1060920" cy="475200"/>
+            <a:off x="1213920" y="2715480"/>
+            <a:ext cx="1060560" cy="474840"/>
           </a:xfrm>
           <a:prstGeom prst="bentConnector3">
             <a:avLst>
@@ -3338,7 +3339,7 @@
         <p:spPr>
           <a:xfrm>
             <a:off x="1157760" y="3484800"/>
-            <a:ext cx="694080" cy="1003320"/>
+            <a:ext cx="693720" cy="1002960"/>
           </a:xfrm>
           <a:prstGeom prst="roundRect">
             <a:avLst>
@@ -3383,7 +3384,7 @@
         <p:spPr>
           <a:xfrm>
             <a:off x="2080080" y="3486960"/>
-            <a:ext cx="694080" cy="1003320"/>
+            <a:ext cx="693720" cy="1002960"/>
           </a:xfrm>
           <a:prstGeom prst="roundRect">
             <a:avLst>
@@ -3428,7 +3429,7 @@
         <p:spPr>
           <a:xfrm>
             <a:off x="4937040" y="3486960"/>
-            <a:ext cx="694080" cy="1003320"/>
+            <a:ext cx="693720" cy="1002960"/>
           </a:xfrm>
           <a:prstGeom prst="roundRect">
             <a:avLst>
@@ -3473,7 +3474,7 @@
         <p:spPr>
           <a:xfrm>
             <a:off x="2021760" y="4577040"/>
-            <a:ext cx="813240" cy="638280"/>
+            <a:ext cx="812880" cy="638280"/>
           </a:xfrm>
           <a:prstGeom prst="rect">
             <a:avLst/>
@@ -3554,7 +3555,7 @@
         <p:spPr>
           <a:xfrm>
             <a:off x="2864880" y="6012000"/>
-            <a:ext cx="1094760" cy="363960"/>
+            <a:ext cx="1094400" cy="363960"/>
           </a:xfrm>
           <a:prstGeom prst="rect">
             <a:avLst/>
@@ -3605,7 +3606,7 @@
         <p:spPr>
           <a:xfrm>
             <a:off x="981720" y="685800"/>
-            <a:ext cx="4789800" cy="5239800"/>
+            <a:ext cx="4789440" cy="5239440"/>
           </a:xfrm>
           <a:prstGeom prst="rect">
             <a:avLst/>
@@ -3674,7 +3675,7 @@
         <p:spPr>
           <a:xfrm>
             <a:off x="3062520" y="3484080"/>
-            <a:ext cx="694080" cy="1003320"/>
+            <a:ext cx="693720" cy="1002960"/>
           </a:xfrm>
           <a:prstGeom prst="roundRect">
             <a:avLst>
@@ -3712,7 +3713,7 @@
         <p:spPr>
           <a:xfrm>
             <a:off x="3984840" y="3486240"/>
-            <a:ext cx="694080" cy="1003320"/>
+            <a:ext cx="693720" cy="1002960"/>
           </a:xfrm>
           <a:prstGeom prst="roundRect">
             <a:avLst>
@@ -3750,7 +3751,7 @@
         <p:spPr>
           <a:xfrm>
             <a:off x="3926520" y="4576320"/>
-            <a:ext cx="813240" cy="638280"/>
+            <a:ext cx="812880" cy="638280"/>
           </a:xfrm>
           <a:prstGeom prst="rect">
             <a:avLst/>
@@ -3831,7 +3832,7 @@
         <p:spPr>
           <a:xfrm>
             <a:off x="3012120" y="4576320"/>
-            <a:ext cx="813240" cy="638280"/>
+            <a:ext cx="812880" cy="638280"/>
           </a:xfrm>
           <a:prstGeom prst="rect">
             <a:avLst/>
@@ -3912,7 +3913,7 @@
         <p:spPr>
           <a:xfrm>
             <a:off x="6512040" y="3524040"/>
-            <a:ext cx="399960" cy="363960"/>
+            <a:ext cx="399600" cy="363960"/>
           </a:xfrm>
           <a:prstGeom prst="rect">
             <a:avLst/>
@@ -4044,7 +4045,7 @@
         <p:spPr>
           <a:xfrm>
             <a:off x="3345120" y="5376240"/>
-            <a:ext cx="1278360" cy="363960"/>
+            <a:ext cx="1278000" cy="363960"/>
           </a:xfrm>
           <a:prstGeom prst="rect">
             <a:avLst/>
@@ -4161,7 +4162,7 @@
         <p:spPr>
           <a:xfrm>
             <a:off x="2936520" y="5306760"/>
-            <a:ext cx="1840320" cy="360"/>
+            <a:ext cx="1839960" cy="360"/>
           </a:xfrm>
           <a:custGeom>
             <a:avLst/>
